--- a/Presentation.pptx
+++ b/Presentation.pptx
@@ -7,7 +7,7 @@
     <p:sldMasterId id="2147484130" r:id="rId3"/>
   </p:sldMasterIdLst>
   <p:notesMasterIdLst>
-    <p:notesMasterId r:id="rId10"/>
+    <p:notesMasterId r:id="rId22"/>
   </p:notesMasterIdLst>
   <p:sldIdLst>
     <p:sldId id="261" r:id="rId4"/>
@@ -16,6 +16,18 @@
     <p:sldId id="262" r:id="rId7"/>
     <p:sldId id="263" r:id="rId8"/>
     <p:sldId id="259" r:id="rId9"/>
+    <p:sldId id="264" r:id="rId10"/>
+    <p:sldId id="265" r:id="rId11"/>
+    <p:sldId id="266" r:id="rId12"/>
+    <p:sldId id="267" r:id="rId13"/>
+    <p:sldId id="268" r:id="rId14"/>
+    <p:sldId id="269" r:id="rId15"/>
+    <p:sldId id="270" r:id="rId16"/>
+    <p:sldId id="271" r:id="rId17"/>
+    <p:sldId id="272" r:id="rId18"/>
+    <p:sldId id="273" r:id="rId19"/>
+    <p:sldId id="274" r:id="rId20"/>
+    <p:sldId id="275" r:id="rId21"/>
   </p:sldIdLst>
   <p:sldSz cx="12192000" cy="6858000"/>
   <p:notesSz cx="6858000" cy="9144000"/>
@@ -117,6 +129,9 @@
   <p:extLst>
     <p:ext uri="{EFAFB233-063F-42B5-8137-9DF3F51BA10A}">
       <p15:sldGuideLst xmlns:p15="http://schemas.microsoft.com/office/powerpoint/2012/main"/>
+    </p:ext>
+    <p:ext uri="{2D200454-40CA-4A62-9FC3-DE9A4176ACB9}">
+      <p15:notesGuideLst xmlns:p15="http://schemas.microsoft.com/office/powerpoint/2012/main"/>
     </p:ext>
   </p:extLst>
 </p:presentation>
@@ -9714,6 +9729,2552 @@
 </p:sld>
 </file>
 
+<file path=ppt/slides/slide10.xml><?xml version="1.0" encoding="utf-8"?>
+<p:sld xmlns:a="http://schemas.openxmlformats.org/drawingml/2006/main" xmlns:r="http://schemas.openxmlformats.org/officeDocument/2006/relationships" xmlns:p="http://schemas.openxmlformats.org/presentationml/2006/main">
+  <p:cSld>
+    <p:spTree>
+      <p:nvGrpSpPr>
+        <p:cNvPr id="1" name=""/>
+        <p:cNvGrpSpPr/>
+        <p:nvPr/>
+      </p:nvGrpSpPr>
+      <p:grpSpPr>
+        <a:xfrm>
+          <a:off x="0" y="0"/>
+          <a:ext cx="0" cy="0"/>
+          <a:chOff x="0" y="0"/>
+          <a:chExt cx="0" cy="0"/>
+        </a:xfrm>
+      </p:grpSpPr>
+      <p:sp>
+        <p:nvSpPr>
+          <p:cNvPr id="6" name="Título 3">
+            <a:extLst>
+              <a:ext uri="{FF2B5EF4-FFF2-40B4-BE49-F238E27FC236}">
+                <a16:creationId xmlns:a16="http://schemas.microsoft.com/office/drawing/2014/main" id="{2E0F929F-A1F9-410D-9454-6A7E04A10270}"/>
+              </a:ext>
+            </a:extLst>
+          </p:cNvPr>
+          <p:cNvSpPr>
+            <a:spLocks noGrp="1"/>
+          </p:cNvSpPr>
+          <p:nvPr>
+            <p:ph type="title"/>
+          </p:nvPr>
+        </p:nvSpPr>
+        <p:spPr/>
+        <p:txBody>
+          <a:bodyPr/>
+          <a:lstStyle/>
+          <a:p>
+            <a:r>
+              <a:rPr lang="en-US" dirty="0"/>
+              <a:t>Models – Dupire’s Local Volatility</a:t>
+            </a:r>
+          </a:p>
+        </p:txBody>
+      </p:sp>
+      <p:sp>
+        <p:nvSpPr>
+          <p:cNvPr id="7" name="Marcador de Posição de Conteúdo 6">
+            <a:extLst>
+              <a:ext uri="{FF2B5EF4-FFF2-40B4-BE49-F238E27FC236}">
+                <a16:creationId xmlns:a16="http://schemas.microsoft.com/office/drawing/2014/main" id="{80231552-6364-4E5D-A9D9-E78AF7D538B9}"/>
+              </a:ext>
+            </a:extLst>
+          </p:cNvPr>
+          <p:cNvSpPr>
+            <a:spLocks noGrp="1"/>
+          </p:cNvSpPr>
+          <p:nvPr>
+            <p:ph idx="1"/>
+          </p:nvPr>
+        </p:nvSpPr>
+        <p:spPr>
+          <a:xfrm>
+            <a:off x="676657" y="3065145"/>
+            <a:ext cx="5700671" cy="1836420"/>
+          </a:xfrm>
+        </p:spPr>
+        <p:txBody>
+          <a:bodyPr/>
+          <a:lstStyle/>
+          <a:p>
+            <a:r>
+              <a:rPr lang="en-US" dirty="0"/>
+              <a:t>With this formula we can obtain the </a:t>
+            </a:r>
+            <a:r>
+              <a:rPr lang="en-US" b="1" dirty="0"/>
+              <a:t>local volatility surface</a:t>
+            </a:r>
+          </a:p>
+          <a:p>
+            <a:r>
+              <a:rPr lang="en-US" dirty="0"/>
+              <a:t>We can sample from this surface to obtain the local volatility at each point of the diffusion process</a:t>
+            </a:r>
+          </a:p>
+        </p:txBody>
+      </p:sp>
+      <p:sp>
+        <p:nvSpPr>
+          <p:cNvPr id="4" name="Marcador de Posição do Número do Diapositivo 3">
+            <a:extLst>
+              <a:ext uri="{FF2B5EF4-FFF2-40B4-BE49-F238E27FC236}">
+                <a16:creationId xmlns:a16="http://schemas.microsoft.com/office/drawing/2014/main" id="{1A6F5B9E-D720-4FF4-AE85-5F6488837235}"/>
+              </a:ext>
+            </a:extLst>
+          </p:cNvPr>
+          <p:cNvSpPr>
+            <a:spLocks noGrp="1"/>
+          </p:cNvSpPr>
+          <p:nvPr>
+            <p:ph type="sldNum" sz="quarter" idx="12"/>
+          </p:nvPr>
+        </p:nvSpPr>
+        <p:spPr/>
+        <p:txBody>
+          <a:bodyPr/>
+          <a:lstStyle/>
+          <a:p>
+            <a:fld id="{E6C1293F-E0FB-479A-BC72-60F8B8633E59}" type="slidenum">
+              <a:rPr lang="en-US" smtClean="0"/>
+              <a:t>9</a:t>
+            </a:fld>
+            <a:endParaRPr lang="en-US" dirty="0"/>
+          </a:p>
+        </p:txBody>
+      </p:sp>
+      <p:grpSp>
+        <p:nvGrpSpPr>
+          <p:cNvPr id="9" name="Agrupar 8">
+            <a:extLst>
+              <a:ext uri="{FF2B5EF4-FFF2-40B4-BE49-F238E27FC236}">
+                <a16:creationId xmlns:a16="http://schemas.microsoft.com/office/drawing/2014/main" id="{E1FF331B-FAB6-4AF8-BF34-4277A3B2D1CE}"/>
+              </a:ext>
+            </a:extLst>
+          </p:cNvPr>
+          <p:cNvGrpSpPr/>
+          <p:nvPr/>
+        </p:nvGrpSpPr>
+        <p:grpSpPr>
+          <a:xfrm>
+            <a:off x="6377328" y="2011680"/>
+            <a:ext cx="4535817" cy="4251128"/>
+            <a:chOff x="6377328" y="2011680"/>
+            <a:chExt cx="4535817" cy="4251128"/>
+          </a:xfrm>
+        </p:grpSpPr>
+        <p:pic>
+          <p:nvPicPr>
+            <p:cNvPr id="5" name="Imagem 4">
+              <a:extLst>
+                <a:ext uri="{FF2B5EF4-FFF2-40B4-BE49-F238E27FC236}">
+                  <a16:creationId xmlns:a16="http://schemas.microsoft.com/office/drawing/2014/main" id="{8DB7B16D-5478-4F5B-80D2-1914970FA9ED}"/>
+                </a:ext>
+              </a:extLst>
+            </p:cNvPr>
+            <p:cNvPicPr>
+              <a:picLocks noChangeAspect="1"/>
+            </p:cNvPicPr>
+            <p:nvPr/>
+          </p:nvPicPr>
+          <p:blipFill rotWithShape="1">
+            <a:blip r:embed="rId2"/>
+            <a:srcRect b="313"/>
+            <a:stretch/>
+          </p:blipFill>
+          <p:spPr>
+            <a:xfrm>
+              <a:off x="6377329" y="2011680"/>
+              <a:ext cx="4535816" cy="3943350"/>
+            </a:xfrm>
+            <a:prstGeom prst="rect">
+              <a:avLst/>
+            </a:prstGeom>
+          </p:spPr>
+        </p:pic>
+        <p:sp>
+          <p:nvSpPr>
+            <p:cNvPr id="8" name="CaixaDeTexto 7">
+              <a:extLst>
+                <a:ext uri="{FF2B5EF4-FFF2-40B4-BE49-F238E27FC236}">
+                  <a16:creationId xmlns:a16="http://schemas.microsoft.com/office/drawing/2014/main" id="{99614742-017E-40D3-8E98-09BABDB66BE3}"/>
+                </a:ext>
+              </a:extLst>
+            </p:cNvPr>
+            <p:cNvSpPr txBox="1"/>
+            <p:nvPr/>
+          </p:nvSpPr>
+          <p:spPr>
+            <a:xfrm>
+              <a:off x="6377328" y="5955031"/>
+              <a:ext cx="4535816" cy="307777"/>
+            </a:xfrm>
+            <a:prstGeom prst="rect">
+              <a:avLst/>
+            </a:prstGeom>
+            <a:noFill/>
+          </p:spPr>
+          <p:txBody>
+            <a:bodyPr wrap="square" rtlCol="0">
+              <a:spAutoFit/>
+            </a:bodyPr>
+            <a:lstStyle/>
+            <a:p>
+              <a:pPr algn="ctr"/>
+              <a:r>
+                <a:rPr lang="en-US" sz="1400" dirty="0"/>
+                <a:t>Generated local volatility surface</a:t>
+              </a:r>
+            </a:p>
+          </p:txBody>
+        </p:sp>
+      </p:grpSp>
+    </p:spTree>
+    <p:extLst>
+      <p:ext uri="{BB962C8B-B14F-4D97-AF65-F5344CB8AC3E}">
+        <p14:creationId xmlns:p14="http://schemas.microsoft.com/office/powerpoint/2010/main" val="1641828020"/>
+      </p:ext>
+    </p:extLst>
+  </p:cSld>
+  <p:clrMapOvr>
+    <a:masterClrMapping/>
+  </p:clrMapOvr>
+</p:sld>
+</file>
+
+<file path=ppt/slides/slide11.xml><?xml version="1.0" encoding="utf-8"?>
+<p:sld xmlns:a="http://schemas.openxmlformats.org/drawingml/2006/main" xmlns:r="http://schemas.openxmlformats.org/officeDocument/2006/relationships" xmlns:p="http://schemas.openxmlformats.org/presentationml/2006/main">
+  <p:cSld>
+    <p:spTree>
+      <p:nvGrpSpPr>
+        <p:cNvPr id="1" name=""/>
+        <p:cNvGrpSpPr/>
+        <p:nvPr/>
+      </p:nvGrpSpPr>
+      <p:grpSpPr>
+        <a:xfrm>
+          <a:off x="0" y="0"/>
+          <a:ext cx="0" cy="0"/>
+          <a:chOff x="0" y="0"/>
+          <a:chExt cx="0" cy="0"/>
+        </a:xfrm>
+      </p:grpSpPr>
+      <p:sp>
+        <p:nvSpPr>
+          <p:cNvPr id="3" name="Marcador de Posição de Conteúdo 2">
+            <a:extLst>
+              <a:ext uri="{FF2B5EF4-FFF2-40B4-BE49-F238E27FC236}">
+                <a16:creationId xmlns:a16="http://schemas.microsoft.com/office/drawing/2014/main" id="{E21527D3-DBF7-45E5-B84E-9F4906BA9D43}"/>
+              </a:ext>
+            </a:extLst>
+          </p:cNvPr>
+          <p:cNvSpPr>
+            <a:spLocks noGrp="1"/>
+          </p:cNvSpPr>
+          <p:nvPr>
+            <p:ph idx="1"/>
+          </p:nvPr>
+        </p:nvSpPr>
+        <p:spPr/>
+        <p:txBody>
+          <a:bodyPr/>
+          <a:lstStyle/>
+          <a:p>
+            <a:r>
+              <a:rPr lang="en-US" dirty="0"/>
+              <a:t>In Heston’s model, we assume that the volatility itself follows a diffusion process</a:t>
+            </a:r>
+            <a:br>
+              <a:rPr lang="en-US" dirty="0"/>
+            </a:br>
+            <a:br>
+              <a:rPr lang="en-US" dirty="0"/>
+            </a:br>
+            <a:br>
+              <a:rPr lang="en-US" dirty="0"/>
+            </a:br>
+            <a:br>
+              <a:rPr lang="en-US" dirty="0"/>
+            </a:br>
+            <a:endParaRPr lang="en-US" dirty="0"/>
+          </a:p>
+          <a:p>
+            <a:r>
+              <a:rPr lang="en-US" dirty="0"/>
+              <a:t>where            and             have a correlation of </a:t>
+            </a:r>
+          </a:p>
+          <a:p>
+            <a:r>
+              <a:rPr lang="en-US" dirty="0"/>
+              <a:t>We have to calibrate this model (i.e. find the parameters that best fit the data)</a:t>
+            </a:r>
+          </a:p>
+        </p:txBody>
+      </p:sp>
+      <p:sp>
+        <p:nvSpPr>
+          <p:cNvPr id="4" name="Marcador de Posição do Número do Diapositivo 3">
+            <a:extLst>
+              <a:ext uri="{FF2B5EF4-FFF2-40B4-BE49-F238E27FC236}">
+                <a16:creationId xmlns:a16="http://schemas.microsoft.com/office/drawing/2014/main" id="{545C787E-4CDC-4B04-B066-BBE11FBEFCA7}"/>
+              </a:ext>
+            </a:extLst>
+          </p:cNvPr>
+          <p:cNvSpPr>
+            <a:spLocks noGrp="1"/>
+          </p:cNvSpPr>
+          <p:nvPr>
+            <p:ph type="sldNum" sz="quarter" idx="12"/>
+          </p:nvPr>
+        </p:nvSpPr>
+        <p:spPr/>
+        <p:txBody>
+          <a:bodyPr/>
+          <a:lstStyle/>
+          <a:p>
+            <a:fld id="{E6C1293F-E0FB-479A-BC72-60F8B8633E59}" type="slidenum">
+              <a:rPr lang="en-US" smtClean="0"/>
+              <a:t>10</a:t>
+            </a:fld>
+            <a:endParaRPr lang="en-US" dirty="0"/>
+          </a:p>
+        </p:txBody>
+      </p:sp>
+      <p:sp>
+        <p:nvSpPr>
+          <p:cNvPr id="5" name="Título 3">
+            <a:extLst>
+              <a:ext uri="{FF2B5EF4-FFF2-40B4-BE49-F238E27FC236}">
+                <a16:creationId xmlns:a16="http://schemas.microsoft.com/office/drawing/2014/main" id="{1173E858-F9AB-4D16-AD66-47335C492531}"/>
+              </a:ext>
+            </a:extLst>
+          </p:cNvPr>
+          <p:cNvSpPr>
+            <a:spLocks noGrp="1"/>
+          </p:cNvSpPr>
+          <p:nvPr>
+            <p:ph type="title"/>
+          </p:nvPr>
+        </p:nvSpPr>
+        <p:spPr>
+          <a:xfrm>
+            <a:off x="657224" y="499533"/>
+            <a:ext cx="10537249" cy="1658198"/>
+          </a:xfrm>
+        </p:spPr>
+        <p:txBody>
+          <a:bodyPr/>
+          <a:lstStyle/>
+          <a:p>
+            <a:r>
+              <a:rPr lang="en-US" dirty="0"/>
+              <a:t>Models – Heston’s Stochastic Volatility</a:t>
+            </a:r>
+          </a:p>
+        </p:txBody>
+      </p:sp>
+      <p:pic>
+        <p:nvPicPr>
+          <p:cNvPr id="6" name="Imagem 5">
+            <a:extLst>
+              <a:ext uri="{FF2B5EF4-FFF2-40B4-BE49-F238E27FC236}">
+                <a16:creationId xmlns:a16="http://schemas.microsoft.com/office/drawing/2014/main" id="{A86877F5-A987-485C-BC39-E9960F98CF91}"/>
+              </a:ext>
+            </a:extLst>
+          </p:cNvPr>
+          <p:cNvPicPr>
+            <a:picLocks noChangeAspect="1"/>
+          </p:cNvPicPr>
+          <p:nvPr/>
+        </p:nvPicPr>
+        <p:blipFill>
+          <a:blip r:embed="rId2"/>
+          <a:stretch>
+            <a:fillRect/>
+          </a:stretch>
+        </p:blipFill>
+        <p:spPr>
+          <a:xfrm>
+            <a:off x="1347355" y="2609640"/>
+            <a:ext cx="4036546" cy="819359"/>
+          </a:xfrm>
+          <a:prstGeom prst="rect">
+            <a:avLst/>
+          </a:prstGeom>
+        </p:spPr>
+      </p:pic>
+      <p:pic>
+        <p:nvPicPr>
+          <p:cNvPr id="7" name="Imagem 6">
+            <a:extLst>
+              <a:ext uri="{FF2B5EF4-FFF2-40B4-BE49-F238E27FC236}">
+                <a16:creationId xmlns:a16="http://schemas.microsoft.com/office/drawing/2014/main" id="{2E2901C2-AD52-44B1-8B0C-D86C7CEEEF45}"/>
+              </a:ext>
+            </a:extLst>
+          </p:cNvPr>
+          <p:cNvPicPr>
+            <a:picLocks noChangeAspect="1"/>
+          </p:cNvPicPr>
+          <p:nvPr/>
+        </p:nvPicPr>
+        <p:blipFill>
+          <a:blip r:embed="rId3"/>
+          <a:stretch>
+            <a:fillRect/>
+          </a:stretch>
+        </p:blipFill>
+        <p:spPr>
+          <a:xfrm>
+            <a:off x="7213600" y="2857916"/>
+            <a:ext cx="1409048" cy="261356"/>
+          </a:xfrm>
+          <a:prstGeom prst="rect">
+            <a:avLst/>
+          </a:prstGeom>
+        </p:spPr>
+      </p:pic>
+      <p:pic>
+        <p:nvPicPr>
+          <p:cNvPr id="8" name="Imagem 7">
+            <a:extLst>
+              <a:ext uri="{FF2B5EF4-FFF2-40B4-BE49-F238E27FC236}">
+                <a16:creationId xmlns:a16="http://schemas.microsoft.com/office/drawing/2014/main" id="{7A8D12C5-2477-425C-A26A-98BAC937B5C5}"/>
+              </a:ext>
+            </a:extLst>
+          </p:cNvPr>
+          <p:cNvPicPr>
+            <a:picLocks noChangeAspect="1"/>
+          </p:cNvPicPr>
+          <p:nvPr/>
+        </p:nvPicPr>
+        <p:blipFill>
+          <a:blip r:embed="rId4"/>
+          <a:stretch>
+            <a:fillRect/>
+          </a:stretch>
+        </p:blipFill>
+        <p:spPr>
+          <a:xfrm>
+            <a:off x="1691603" y="3780218"/>
+            <a:ext cx="719899" cy="375159"/>
+          </a:xfrm>
+          <a:prstGeom prst="rect">
+            <a:avLst/>
+          </a:prstGeom>
+        </p:spPr>
+      </p:pic>
+      <p:pic>
+        <p:nvPicPr>
+          <p:cNvPr id="9" name="Imagem 8">
+            <a:extLst>
+              <a:ext uri="{FF2B5EF4-FFF2-40B4-BE49-F238E27FC236}">
+                <a16:creationId xmlns:a16="http://schemas.microsoft.com/office/drawing/2014/main" id="{7C3811BD-3E7F-4642-B353-9D8BD4CEE6AB}"/>
+              </a:ext>
+            </a:extLst>
+          </p:cNvPr>
+          <p:cNvPicPr>
+            <a:picLocks noChangeAspect="1"/>
+          </p:cNvPicPr>
+          <p:nvPr/>
+        </p:nvPicPr>
+        <p:blipFill>
+          <a:blip r:embed="rId5">
+            <a:clrChange>
+              <a:clrFrom>
+                <a:srgbClr val="FFFFFF"/>
+              </a:clrFrom>
+              <a:clrTo>
+                <a:srgbClr val="FFFFFF">
+                  <a:alpha val="0"/>
+                </a:srgbClr>
+              </a:clrTo>
+            </a:clrChange>
+          </a:blip>
+          <a:stretch>
+            <a:fillRect/>
+          </a:stretch>
+        </p:blipFill>
+        <p:spPr>
+          <a:xfrm>
+            <a:off x="2979692" y="3795638"/>
+            <a:ext cx="714721" cy="344318"/>
+          </a:xfrm>
+          <a:prstGeom prst="rect">
+            <a:avLst/>
+          </a:prstGeom>
+        </p:spPr>
+      </p:pic>
+      <p:pic>
+        <p:nvPicPr>
+          <p:cNvPr id="10" name="Imagem 9">
+            <a:extLst>
+              <a:ext uri="{FF2B5EF4-FFF2-40B4-BE49-F238E27FC236}">
+                <a16:creationId xmlns:a16="http://schemas.microsoft.com/office/drawing/2014/main" id="{656897B8-642C-4507-8B01-EA236DCB4FF8}"/>
+              </a:ext>
+            </a:extLst>
+          </p:cNvPr>
+          <p:cNvPicPr>
+            <a:picLocks noChangeAspect="1"/>
+          </p:cNvPicPr>
+          <p:nvPr/>
+        </p:nvPicPr>
+        <p:blipFill>
+          <a:blip r:embed="rId6"/>
+          <a:stretch>
+            <a:fillRect/>
+          </a:stretch>
+        </p:blipFill>
+        <p:spPr>
+          <a:xfrm>
+            <a:off x="6410754" y="3837119"/>
+            <a:ext cx="190077" cy="261356"/>
+          </a:xfrm>
+          <a:prstGeom prst="rect">
+            <a:avLst/>
+          </a:prstGeom>
+        </p:spPr>
+      </p:pic>
+    </p:spTree>
+    <p:extLst>
+      <p:ext uri="{BB962C8B-B14F-4D97-AF65-F5344CB8AC3E}">
+        <p14:creationId xmlns:p14="http://schemas.microsoft.com/office/powerpoint/2010/main" val="2192671261"/>
+      </p:ext>
+    </p:extLst>
+  </p:cSld>
+  <p:clrMapOvr>
+    <a:masterClrMapping/>
+  </p:clrMapOvr>
+</p:sld>
+</file>
+
+<file path=ppt/slides/slide12.xml><?xml version="1.0" encoding="utf-8"?>
+<p:sld xmlns:a="http://schemas.openxmlformats.org/drawingml/2006/main" xmlns:r="http://schemas.openxmlformats.org/officeDocument/2006/relationships" xmlns:p="http://schemas.openxmlformats.org/presentationml/2006/main">
+  <p:cSld>
+    <p:spTree>
+      <p:nvGrpSpPr>
+        <p:cNvPr id="1" name=""/>
+        <p:cNvGrpSpPr/>
+        <p:nvPr/>
+      </p:nvGrpSpPr>
+      <p:grpSpPr>
+        <a:xfrm>
+          <a:off x="0" y="0"/>
+          <a:ext cx="0" cy="0"/>
+          <a:chOff x="0" y="0"/>
+          <a:chExt cx="0" cy="0"/>
+        </a:xfrm>
+      </p:grpSpPr>
+      <p:sp>
+        <p:nvSpPr>
+          <p:cNvPr id="3" name="Marcador de Posição de Conteúdo 2">
+            <a:extLst>
+              <a:ext uri="{FF2B5EF4-FFF2-40B4-BE49-F238E27FC236}">
+                <a16:creationId xmlns:a16="http://schemas.microsoft.com/office/drawing/2014/main" id="{65885E84-B41A-41B2-9719-FB8C5FF17093}"/>
+              </a:ext>
+            </a:extLst>
+          </p:cNvPr>
+          <p:cNvSpPr>
+            <a:spLocks noGrp="1"/>
+          </p:cNvSpPr>
+          <p:nvPr>
+            <p:ph idx="1"/>
+          </p:nvPr>
+        </p:nvSpPr>
+        <p:spPr/>
+        <p:txBody>
+          <a:bodyPr>
+            <a:normAutofit lnSpcReduction="10000"/>
+          </a:bodyPr>
+          <a:lstStyle/>
+          <a:p>
+            <a:r>
+              <a:rPr lang="en-US" dirty="0"/>
+              <a:t>With Heston’s model, there is a closed-form solution which we can use in calibration</a:t>
+            </a:r>
+          </a:p>
+          <a:p>
+            <a:endParaRPr lang="en-US" dirty="0"/>
+          </a:p>
+          <a:p>
+            <a:endParaRPr lang="en-US" dirty="0"/>
+          </a:p>
+          <a:p>
+            <a:pPr marL="0" indent="0">
+              <a:buNone/>
+            </a:pPr>
+            <a:endParaRPr lang="en-US" dirty="0"/>
+          </a:p>
+          <a:p>
+            <a:r>
+              <a:rPr lang="en-US" dirty="0"/>
+              <a:t>                                                                             …</a:t>
+            </a:r>
+          </a:p>
+          <a:p>
+            <a:endParaRPr lang="en-US" dirty="0"/>
+          </a:p>
+          <a:p>
+            <a:r>
+              <a:rPr lang="en-US" dirty="0"/>
+              <a:t>From this, we can directly price options with any parameter set</a:t>
+            </a:r>
+          </a:p>
+          <a:p>
+            <a:pPr lvl="1"/>
+            <a:r>
+              <a:rPr lang="en-US" dirty="0"/>
+              <a:t>    </a:t>
+            </a:r>
+            <a:r>
+              <a:rPr lang="en-US" b="1" dirty="0"/>
+              <a:t>Calibration is now easy</a:t>
+            </a:r>
+          </a:p>
+        </p:txBody>
+      </p:sp>
+      <p:sp>
+        <p:nvSpPr>
+          <p:cNvPr id="4" name="Marcador de Posição do Número do Diapositivo 3">
+            <a:extLst>
+              <a:ext uri="{FF2B5EF4-FFF2-40B4-BE49-F238E27FC236}">
+                <a16:creationId xmlns:a16="http://schemas.microsoft.com/office/drawing/2014/main" id="{42281FAF-4CC2-412C-9810-2585412BBEAA}"/>
+              </a:ext>
+            </a:extLst>
+          </p:cNvPr>
+          <p:cNvSpPr>
+            <a:spLocks noGrp="1"/>
+          </p:cNvSpPr>
+          <p:nvPr>
+            <p:ph type="sldNum" sz="quarter" idx="12"/>
+          </p:nvPr>
+        </p:nvSpPr>
+        <p:spPr/>
+        <p:txBody>
+          <a:bodyPr/>
+          <a:lstStyle/>
+          <a:p>
+            <a:fld id="{E6C1293F-E0FB-479A-BC72-60F8B8633E59}" type="slidenum">
+              <a:rPr lang="en-US" smtClean="0"/>
+              <a:t>11</a:t>
+            </a:fld>
+            <a:endParaRPr lang="en-US" dirty="0"/>
+          </a:p>
+        </p:txBody>
+      </p:sp>
+      <p:sp>
+        <p:nvSpPr>
+          <p:cNvPr id="5" name="Título 3">
+            <a:extLst>
+              <a:ext uri="{FF2B5EF4-FFF2-40B4-BE49-F238E27FC236}">
+                <a16:creationId xmlns:a16="http://schemas.microsoft.com/office/drawing/2014/main" id="{99CB70BF-C642-4B4C-BB63-C227D9A95FA7}"/>
+              </a:ext>
+            </a:extLst>
+          </p:cNvPr>
+          <p:cNvSpPr>
+            <a:spLocks noGrp="1"/>
+          </p:cNvSpPr>
+          <p:nvPr>
+            <p:ph type="title"/>
+          </p:nvPr>
+        </p:nvSpPr>
+        <p:spPr>
+          <a:xfrm>
+            <a:off x="657224" y="499533"/>
+            <a:ext cx="10537249" cy="1658198"/>
+          </a:xfrm>
+        </p:spPr>
+        <p:txBody>
+          <a:bodyPr/>
+          <a:lstStyle/>
+          <a:p>
+            <a:r>
+              <a:rPr lang="en-US" dirty="0"/>
+              <a:t>Models – Heston’s Stochastic Volatility</a:t>
+            </a:r>
+          </a:p>
+        </p:txBody>
+      </p:sp>
+      <p:pic>
+        <p:nvPicPr>
+          <p:cNvPr id="6" name="Imagem 5">
+            <a:extLst>
+              <a:ext uri="{FF2B5EF4-FFF2-40B4-BE49-F238E27FC236}">
+                <a16:creationId xmlns:a16="http://schemas.microsoft.com/office/drawing/2014/main" id="{9FEB7224-F74E-4CF1-B543-5AF3BBF9CDB2}"/>
+              </a:ext>
+            </a:extLst>
+          </p:cNvPr>
+          <p:cNvPicPr>
+            <a:picLocks noChangeAspect="1"/>
+          </p:cNvPicPr>
+          <p:nvPr/>
+        </p:nvPicPr>
+        <p:blipFill>
+          <a:blip r:embed="rId2"/>
+          <a:stretch>
+            <a:fillRect/>
+          </a:stretch>
+        </p:blipFill>
+        <p:spPr>
+          <a:xfrm>
+            <a:off x="997527" y="3997493"/>
+            <a:ext cx="4528457" cy="502061"/>
+          </a:xfrm>
+          <a:prstGeom prst="rect">
+            <a:avLst/>
+          </a:prstGeom>
+        </p:spPr>
+      </p:pic>
+      <p:pic>
+        <p:nvPicPr>
+          <p:cNvPr id="7" name="Imagem 6">
+            <a:extLst>
+              <a:ext uri="{FF2B5EF4-FFF2-40B4-BE49-F238E27FC236}">
+                <a16:creationId xmlns:a16="http://schemas.microsoft.com/office/drawing/2014/main" id="{3535F330-50B5-41CD-AE57-8277FB84EE18}"/>
+              </a:ext>
+            </a:extLst>
+          </p:cNvPr>
+          <p:cNvPicPr>
+            <a:picLocks noChangeAspect="1"/>
+          </p:cNvPicPr>
+          <p:nvPr/>
+        </p:nvPicPr>
+        <p:blipFill>
+          <a:blip r:embed="rId3"/>
+          <a:stretch>
+            <a:fillRect/>
+          </a:stretch>
+        </p:blipFill>
+        <p:spPr>
+          <a:xfrm>
+            <a:off x="997527" y="3144161"/>
+            <a:ext cx="4797245" cy="627138"/>
+          </a:xfrm>
+          <a:prstGeom prst="rect">
+            <a:avLst/>
+          </a:prstGeom>
+        </p:spPr>
+      </p:pic>
+      <p:pic>
+        <p:nvPicPr>
+          <p:cNvPr id="8" name="Imagem 7">
+            <a:extLst>
+              <a:ext uri="{FF2B5EF4-FFF2-40B4-BE49-F238E27FC236}">
+                <a16:creationId xmlns:a16="http://schemas.microsoft.com/office/drawing/2014/main" id="{A9BB2906-BD3E-45A0-81BE-F14E30A1E871}"/>
+              </a:ext>
+            </a:extLst>
+          </p:cNvPr>
+          <p:cNvPicPr>
+            <a:picLocks noChangeAspect="1"/>
+          </p:cNvPicPr>
+          <p:nvPr/>
+        </p:nvPicPr>
+        <p:blipFill>
+          <a:blip r:embed="rId4">
+            <a:clrChange>
+              <a:clrFrom>
+                <a:srgbClr val="FFFFFF"/>
+              </a:clrFrom>
+              <a:clrTo>
+                <a:srgbClr val="FFFFFF">
+                  <a:alpha val="0"/>
+                </a:srgbClr>
+              </a:clrTo>
+            </a:clrChange>
+          </a:blip>
+          <a:stretch>
+            <a:fillRect/>
+          </a:stretch>
+        </p:blipFill>
+        <p:spPr>
+          <a:xfrm>
+            <a:off x="6304371" y="3189758"/>
+            <a:ext cx="4662323" cy="535943"/>
+          </a:xfrm>
+          <a:prstGeom prst="rect">
+            <a:avLst/>
+          </a:prstGeom>
+        </p:spPr>
+      </p:pic>
+      <p:grpSp>
+        <p:nvGrpSpPr>
+          <p:cNvPr id="11" name="Agrupar 10">
+            <a:extLst>
+              <a:ext uri="{FF2B5EF4-FFF2-40B4-BE49-F238E27FC236}">
+                <a16:creationId xmlns:a16="http://schemas.microsoft.com/office/drawing/2014/main" id="{0CC96ADD-719F-4960-A510-D70A1C08FF22}"/>
+              </a:ext>
+            </a:extLst>
+          </p:cNvPr>
+          <p:cNvGrpSpPr/>
+          <p:nvPr/>
+        </p:nvGrpSpPr>
+        <p:grpSpPr>
+          <a:xfrm>
+            <a:off x="997527" y="2790073"/>
+            <a:ext cx="4902145" cy="330999"/>
+            <a:chOff x="2870200" y="5513687"/>
+            <a:chExt cx="10989304" cy="742013"/>
+          </a:xfrm>
+        </p:grpSpPr>
+        <p:pic>
+          <p:nvPicPr>
+            <p:cNvPr id="9" name="Imagem 8">
+              <a:extLst>
+                <a:ext uri="{FF2B5EF4-FFF2-40B4-BE49-F238E27FC236}">
+                  <a16:creationId xmlns:a16="http://schemas.microsoft.com/office/drawing/2014/main" id="{69F28786-C1F9-4507-BFA1-45C036756132}"/>
+                </a:ext>
+              </a:extLst>
+            </p:cNvPr>
+            <p:cNvPicPr>
+              <a:picLocks noChangeAspect="1"/>
+            </p:cNvPicPr>
+            <p:nvPr/>
+          </p:nvPicPr>
+          <p:blipFill>
+            <a:blip r:embed="rId5"/>
+            <a:stretch>
+              <a:fillRect/>
+            </a:stretch>
+          </p:blipFill>
+          <p:spPr>
+            <a:xfrm>
+              <a:off x="2870200" y="5531800"/>
+              <a:ext cx="3305175" cy="723900"/>
+            </a:xfrm>
+            <a:prstGeom prst="rect">
+              <a:avLst/>
+            </a:prstGeom>
+          </p:spPr>
+        </p:pic>
+        <p:pic>
+          <p:nvPicPr>
+            <p:cNvPr id="10" name="Imagem 9">
+              <a:extLst>
+                <a:ext uri="{FF2B5EF4-FFF2-40B4-BE49-F238E27FC236}">
+                  <a16:creationId xmlns:a16="http://schemas.microsoft.com/office/drawing/2014/main" id="{2DE4181E-04E5-4BF3-A69D-75B75EC442AF}"/>
+                </a:ext>
+              </a:extLst>
+            </p:cNvPr>
+            <p:cNvPicPr>
+              <a:picLocks noChangeAspect="1"/>
+            </p:cNvPicPr>
+            <p:nvPr/>
+          </p:nvPicPr>
+          <p:blipFill>
+            <a:blip r:embed="rId6">
+              <a:clrChange>
+                <a:clrFrom>
+                  <a:srgbClr val="FFFFFF"/>
+                </a:clrFrom>
+                <a:clrTo>
+                  <a:srgbClr val="FFFFFF">
+                    <a:alpha val="0"/>
+                  </a:srgbClr>
+                </a:clrTo>
+              </a:clrChange>
+            </a:blip>
+            <a:stretch>
+              <a:fillRect/>
+            </a:stretch>
+          </p:blipFill>
+          <p:spPr>
+            <a:xfrm>
+              <a:off x="5744204" y="5513687"/>
+              <a:ext cx="8115300" cy="685800"/>
+            </a:xfrm>
+            <a:prstGeom prst="rect">
+              <a:avLst/>
+            </a:prstGeom>
+          </p:spPr>
+        </p:pic>
+      </p:grpSp>
+      <p:cxnSp>
+        <p:nvCxnSpPr>
+          <p:cNvPr id="12" name="Conexão reta unidirecional 11">
+            <a:extLst>
+              <a:ext uri="{FF2B5EF4-FFF2-40B4-BE49-F238E27FC236}">
+                <a16:creationId xmlns:a16="http://schemas.microsoft.com/office/drawing/2014/main" id="{80CDE37F-E94B-45D2-8214-70F037B07E8D}"/>
+              </a:ext>
+            </a:extLst>
+          </p:cNvPr>
+          <p:cNvCxnSpPr>
+            <a:cxnSpLocks/>
+          </p:cNvCxnSpPr>
+          <p:nvPr/>
+        </p:nvCxnSpPr>
+        <p:spPr>
+          <a:xfrm>
+            <a:off x="850605" y="5418931"/>
+            <a:ext cx="467833" cy="0"/>
+          </a:xfrm>
+          <a:prstGeom prst="straightConnector1">
+            <a:avLst/>
+          </a:prstGeom>
+          <a:ln w="57150">
+            <a:tailEnd type="triangle"/>
+          </a:ln>
+        </p:spPr>
+        <p:style>
+          <a:lnRef idx="1">
+            <a:schemeClr val="accent1"/>
+          </a:lnRef>
+          <a:fillRef idx="0">
+            <a:schemeClr val="accent1"/>
+          </a:fillRef>
+          <a:effectRef idx="0">
+            <a:schemeClr val="accent1"/>
+          </a:effectRef>
+          <a:fontRef idx="minor">
+            <a:schemeClr val="tx1"/>
+          </a:fontRef>
+        </p:style>
+      </p:cxnSp>
+    </p:spTree>
+    <p:extLst>
+      <p:ext uri="{BB962C8B-B14F-4D97-AF65-F5344CB8AC3E}">
+        <p14:creationId xmlns:p14="http://schemas.microsoft.com/office/powerpoint/2010/main" val="1907842744"/>
+      </p:ext>
+    </p:extLst>
+  </p:cSld>
+  <p:clrMapOvr>
+    <a:masterClrMapping/>
+  </p:clrMapOvr>
+</p:sld>
+</file>
+
+<file path=ppt/slides/slide13.xml><?xml version="1.0" encoding="utf-8"?>
+<p:sld xmlns:a="http://schemas.openxmlformats.org/drawingml/2006/main" xmlns:r="http://schemas.openxmlformats.org/officeDocument/2006/relationships" xmlns:p="http://schemas.openxmlformats.org/presentationml/2006/main">
+  <p:cSld>
+    <p:spTree>
+      <p:nvGrpSpPr>
+        <p:cNvPr id="1" name=""/>
+        <p:cNvGrpSpPr/>
+        <p:nvPr/>
+      </p:nvGrpSpPr>
+      <p:grpSpPr>
+        <a:xfrm>
+          <a:off x="0" y="0"/>
+          <a:ext cx="0" cy="0"/>
+          <a:chOff x="0" y="0"/>
+          <a:chExt cx="0" cy="0"/>
+        </a:xfrm>
+      </p:grpSpPr>
+      <p:sp>
+        <p:nvSpPr>
+          <p:cNvPr id="3" name="Marcador de Posição de Conteúdo 2">
+            <a:extLst>
+              <a:ext uri="{FF2B5EF4-FFF2-40B4-BE49-F238E27FC236}">
+                <a16:creationId xmlns:a16="http://schemas.microsoft.com/office/drawing/2014/main" id="{C7AC3F0F-1F50-4B9D-B110-8BE8D0BDF32A}"/>
+              </a:ext>
+            </a:extLst>
+          </p:cNvPr>
+          <p:cNvSpPr>
+            <a:spLocks noGrp="1"/>
+          </p:cNvSpPr>
+          <p:nvPr>
+            <p:ph idx="1"/>
+          </p:nvPr>
+        </p:nvSpPr>
+        <p:spPr>
+          <a:xfrm>
+            <a:off x="676656" y="2011680"/>
+            <a:ext cx="10517817" cy="3766185"/>
+          </a:xfrm>
+        </p:spPr>
+        <p:txBody>
+          <a:bodyPr/>
+          <a:lstStyle/>
+          <a:p>
+            <a:r>
+              <a:rPr lang="en-US" dirty="0"/>
+              <a:t>As for Heston, we again assume that volatility follows a diffusion process, given by</a:t>
+            </a:r>
+          </a:p>
+          <a:p>
+            <a:pPr marL="0" indent="0">
+              <a:buNone/>
+            </a:pPr>
+            <a:br>
+              <a:rPr lang="en-US" dirty="0"/>
+            </a:br>
+            <a:br>
+              <a:rPr lang="en-US" dirty="0"/>
+            </a:br>
+            <a:endParaRPr lang="en-US" dirty="0"/>
+          </a:p>
+          <a:p>
+            <a:r>
+              <a:rPr lang="en-US" dirty="0"/>
+              <a:t>where            and             have a correlation of </a:t>
+            </a:r>
+          </a:p>
+          <a:p>
+            <a:r>
+              <a:rPr lang="en-US" dirty="0"/>
+              <a:t>In </a:t>
+            </a:r>
+            <a:r>
+              <a:rPr lang="en-US" b="1" dirty="0"/>
+              <a:t>Static SABR </a:t>
+            </a:r>
+            <a:r>
+              <a:rPr lang="en-US" dirty="0"/>
+              <a:t>model, we assume         and         to be </a:t>
+            </a:r>
+            <a:r>
+              <a:rPr lang="en-US" b="1" dirty="0"/>
+              <a:t>constant</a:t>
+            </a:r>
+          </a:p>
+          <a:p>
+            <a:r>
+              <a:rPr lang="en-US" dirty="0"/>
+              <a:t>Static SABR only works for single maturities</a:t>
+            </a:r>
+          </a:p>
+          <a:p>
+            <a:r>
+              <a:rPr lang="en-US" dirty="0"/>
+              <a:t>We again have to calibrate these models</a:t>
+            </a:r>
+          </a:p>
+          <a:p>
+            <a:endParaRPr lang="en-US" dirty="0"/>
+          </a:p>
+        </p:txBody>
+      </p:sp>
+      <p:sp>
+        <p:nvSpPr>
+          <p:cNvPr id="4" name="Marcador de Posição do Número do Diapositivo 3">
+            <a:extLst>
+              <a:ext uri="{FF2B5EF4-FFF2-40B4-BE49-F238E27FC236}">
+                <a16:creationId xmlns:a16="http://schemas.microsoft.com/office/drawing/2014/main" id="{58B6DC08-54A4-498C-A6EE-7013840F9B4C}"/>
+              </a:ext>
+            </a:extLst>
+          </p:cNvPr>
+          <p:cNvSpPr>
+            <a:spLocks noGrp="1"/>
+          </p:cNvSpPr>
+          <p:nvPr>
+            <p:ph type="sldNum" sz="quarter" idx="12"/>
+          </p:nvPr>
+        </p:nvSpPr>
+        <p:spPr/>
+        <p:txBody>
+          <a:bodyPr/>
+          <a:lstStyle/>
+          <a:p>
+            <a:fld id="{E6C1293F-E0FB-479A-BC72-60F8B8633E59}" type="slidenum">
+              <a:rPr lang="en-US" smtClean="0"/>
+              <a:t>12</a:t>
+            </a:fld>
+            <a:endParaRPr lang="en-US" dirty="0"/>
+          </a:p>
+        </p:txBody>
+      </p:sp>
+      <p:sp>
+        <p:nvSpPr>
+          <p:cNvPr id="5" name="Título 3">
+            <a:extLst>
+              <a:ext uri="{FF2B5EF4-FFF2-40B4-BE49-F238E27FC236}">
+                <a16:creationId xmlns:a16="http://schemas.microsoft.com/office/drawing/2014/main" id="{7515079F-CCB8-464A-B954-F335A85AEFB0}"/>
+              </a:ext>
+            </a:extLst>
+          </p:cNvPr>
+          <p:cNvSpPr>
+            <a:spLocks noGrp="1"/>
+          </p:cNvSpPr>
+          <p:nvPr>
+            <p:ph type="title"/>
+          </p:nvPr>
+        </p:nvSpPr>
+        <p:spPr>
+          <a:xfrm>
+            <a:off x="657224" y="499533"/>
+            <a:ext cx="10537249" cy="1658198"/>
+          </a:xfrm>
+        </p:spPr>
+        <p:txBody>
+          <a:bodyPr/>
+          <a:lstStyle/>
+          <a:p>
+            <a:r>
+              <a:rPr lang="en-US" dirty="0"/>
+              <a:t>Models – Static/Dynamic SABR</a:t>
+            </a:r>
+          </a:p>
+        </p:txBody>
+      </p:sp>
+      <p:sp>
+        <p:nvSpPr>
+          <p:cNvPr id="8" name="Marcador de Posição de Conteúdo 2">
+            <a:extLst>
+              <a:ext uri="{FF2B5EF4-FFF2-40B4-BE49-F238E27FC236}">
+                <a16:creationId xmlns:a16="http://schemas.microsoft.com/office/drawing/2014/main" id="{5C668402-CB09-4E6D-8815-112599D8163C}"/>
+              </a:ext>
+            </a:extLst>
+          </p:cNvPr>
+          <p:cNvSpPr txBox="1">
+            <a:spLocks/>
+          </p:cNvSpPr>
+          <p:nvPr/>
+        </p:nvSpPr>
+        <p:spPr>
+          <a:xfrm>
+            <a:off x="676656" y="2011680"/>
+            <a:ext cx="10517817" cy="3766185"/>
+          </a:xfrm>
+          <a:prstGeom prst="rect">
+            <a:avLst/>
+          </a:prstGeom>
+        </p:spPr>
+        <p:txBody>
+          <a:bodyPr vert="horz" lIns="91440" tIns="45720" rIns="91440" bIns="45720" rtlCol="0">
+            <a:normAutofit/>
+          </a:bodyPr>
+          <a:lstStyle>
+            <a:lvl1pPr marL="91440" indent="-91440" algn="l" defTabSz="914400" rtl="0" eaLnBrk="1" latinLnBrk="0" hangingPunct="1">
+              <a:lnSpc>
+                <a:spcPct val="85000"/>
+              </a:lnSpc>
+              <a:spcBef>
+                <a:spcPts val="1300"/>
+              </a:spcBef>
+              <a:buFont typeface="Arial" pitchFamily="34" charset="0"/>
+              <a:buChar char=" "/>
+              <a:defRPr sz="2400" kern="1200">
+                <a:solidFill>
+                  <a:schemeClr val="tx1">
+                    <a:lumMod val="85000"/>
+                    <a:lumOff val="15000"/>
+                  </a:schemeClr>
+                </a:solidFill>
+                <a:latin typeface="+mn-lt"/>
+                <a:ea typeface="+mn-ea"/>
+                <a:cs typeface="+mn-cs"/>
+              </a:defRPr>
+            </a:lvl1pPr>
+            <a:lvl2pPr marL="347472" indent="-342900" algn="l" defTabSz="914400" rtl="0" eaLnBrk="1" latinLnBrk="0" hangingPunct="1">
+              <a:lnSpc>
+                <a:spcPct val="85000"/>
+              </a:lnSpc>
+              <a:spcBef>
+                <a:spcPts val="600"/>
+              </a:spcBef>
+              <a:buFont typeface="Arial" pitchFamily="34" charset="0"/>
+              <a:buChar char=" "/>
+              <a:defRPr sz="2400" kern="1200">
+                <a:solidFill>
+                  <a:schemeClr val="tx1">
+                    <a:lumMod val="85000"/>
+                    <a:lumOff val="15000"/>
+                  </a:schemeClr>
+                </a:solidFill>
+                <a:latin typeface="+mn-lt"/>
+                <a:ea typeface="+mn-ea"/>
+                <a:cs typeface="+mn-cs"/>
+              </a:defRPr>
+            </a:lvl2pPr>
+            <a:lvl3pPr marL="548640" indent="-548640" algn="l" defTabSz="914400" rtl="0" eaLnBrk="1" latinLnBrk="0" hangingPunct="1">
+              <a:lnSpc>
+                <a:spcPct val="85000"/>
+              </a:lnSpc>
+              <a:spcBef>
+                <a:spcPts val="600"/>
+              </a:spcBef>
+              <a:buFont typeface="Arial" pitchFamily="34" charset="0"/>
+              <a:buChar char=" "/>
+              <a:defRPr sz="2000" i="1" kern="1200">
+                <a:solidFill>
+                  <a:schemeClr val="tx1">
+                    <a:lumMod val="85000"/>
+                    <a:lumOff val="15000"/>
+                  </a:schemeClr>
+                </a:solidFill>
+                <a:latin typeface="+mn-lt"/>
+                <a:ea typeface="+mn-ea"/>
+                <a:cs typeface="+mn-cs"/>
+              </a:defRPr>
+            </a:lvl3pPr>
+            <a:lvl4pPr marL="822960" indent="-822960" algn="l" defTabSz="914400" rtl="0" eaLnBrk="1" latinLnBrk="0" hangingPunct="1">
+              <a:lnSpc>
+                <a:spcPct val="85000"/>
+              </a:lnSpc>
+              <a:spcBef>
+                <a:spcPts val="600"/>
+              </a:spcBef>
+              <a:buFont typeface="Arial" pitchFamily="34" charset="0"/>
+              <a:buChar char=" "/>
+              <a:defRPr sz="1800" kern="1200">
+                <a:solidFill>
+                  <a:schemeClr val="tx1">
+                    <a:lumMod val="85000"/>
+                    <a:lumOff val="15000"/>
+                  </a:schemeClr>
+                </a:solidFill>
+                <a:latin typeface="+mn-lt"/>
+                <a:ea typeface="+mn-ea"/>
+                <a:cs typeface="+mn-cs"/>
+              </a:defRPr>
+            </a:lvl4pPr>
+            <a:lvl5pPr marL="1097280" indent="-1097280" algn="l" defTabSz="914400" rtl="0" eaLnBrk="1" latinLnBrk="0" hangingPunct="1">
+              <a:lnSpc>
+                <a:spcPct val="85000"/>
+              </a:lnSpc>
+              <a:spcBef>
+                <a:spcPts val="600"/>
+              </a:spcBef>
+              <a:buFont typeface="Arial" pitchFamily="34" charset="0"/>
+              <a:buChar char=" "/>
+              <a:defRPr sz="1800" kern="1200">
+                <a:solidFill>
+                  <a:schemeClr val="tx1">
+                    <a:lumMod val="85000"/>
+                    <a:lumOff val="15000"/>
+                  </a:schemeClr>
+                </a:solidFill>
+                <a:latin typeface="+mn-lt"/>
+                <a:ea typeface="+mn-ea"/>
+                <a:cs typeface="+mn-cs"/>
+              </a:defRPr>
+            </a:lvl5pPr>
+            <a:lvl6pPr marL="1200000" indent="-228600" algn="l" defTabSz="914400" rtl="0" eaLnBrk="1" latinLnBrk="0" hangingPunct="1">
+              <a:lnSpc>
+                <a:spcPct val="85000"/>
+              </a:lnSpc>
+              <a:spcBef>
+                <a:spcPts val="600"/>
+              </a:spcBef>
+              <a:buFont typeface="Arial" pitchFamily="34" charset="0"/>
+              <a:buChar char=" "/>
+              <a:defRPr sz="1800" kern="1200">
+                <a:solidFill>
+                  <a:schemeClr val="tx1">
+                    <a:lumMod val="85000"/>
+                    <a:lumOff val="15000"/>
+                  </a:schemeClr>
+                </a:solidFill>
+                <a:latin typeface="+mn-lt"/>
+                <a:ea typeface="+mn-ea"/>
+                <a:cs typeface="+mn-cs"/>
+              </a:defRPr>
+            </a:lvl6pPr>
+            <a:lvl7pPr marL="1400000" indent="-228600" algn="l" defTabSz="914400" rtl="0" eaLnBrk="1" latinLnBrk="0" hangingPunct="1">
+              <a:lnSpc>
+                <a:spcPct val="85000"/>
+              </a:lnSpc>
+              <a:spcBef>
+                <a:spcPts val="600"/>
+              </a:spcBef>
+              <a:buFont typeface="Arial" pitchFamily="34" charset="0"/>
+              <a:buChar char=" "/>
+              <a:defRPr sz="1800" kern="1200">
+                <a:solidFill>
+                  <a:schemeClr val="tx1">
+                    <a:lumMod val="85000"/>
+                    <a:lumOff val="15000"/>
+                  </a:schemeClr>
+                </a:solidFill>
+                <a:latin typeface="+mn-lt"/>
+                <a:ea typeface="+mn-ea"/>
+                <a:cs typeface="+mn-cs"/>
+              </a:defRPr>
+            </a:lvl7pPr>
+            <a:lvl8pPr marL="1600000" indent="-228600" algn="l" defTabSz="914400" rtl="0" eaLnBrk="1" latinLnBrk="0" hangingPunct="1">
+              <a:lnSpc>
+                <a:spcPct val="85000"/>
+              </a:lnSpc>
+              <a:spcBef>
+                <a:spcPts val="600"/>
+              </a:spcBef>
+              <a:buFont typeface="Arial" pitchFamily="34" charset="0"/>
+              <a:buChar char=" "/>
+              <a:defRPr sz="1800" kern="1200">
+                <a:solidFill>
+                  <a:schemeClr val="tx1">
+                    <a:lumMod val="85000"/>
+                    <a:lumOff val="15000"/>
+                  </a:schemeClr>
+                </a:solidFill>
+                <a:latin typeface="+mn-lt"/>
+                <a:ea typeface="+mn-ea"/>
+                <a:cs typeface="+mn-cs"/>
+              </a:defRPr>
+            </a:lvl8pPr>
+            <a:lvl9pPr marL="1800000" indent="-228600" algn="l" defTabSz="914400" rtl="0" eaLnBrk="1" latinLnBrk="0" hangingPunct="1">
+              <a:lnSpc>
+                <a:spcPct val="85000"/>
+              </a:lnSpc>
+              <a:spcBef>
+                <a:spcPts val="600"/>
+              </a:spcBef>
+              <a:buFont typeface="Arial" pitchFamily="34" charset="0"/>
+              <a:buChar char=" "/>
+              <a:defRPr sz="1800" kern="1200">
+                <a:solidFill>
+                  <a:schemeClr val="tx1">
+                    <a:lumMod val="85000"/>
+                    <a:lumOff val="15000"/>
+                  </a:schemeClr>
+                </a:solidFill>
+                <a:latin typeface="+mn-lt"/>
+                <a:ea typeface="+mn-ea"/>
+                <a:cs typeface="+mn-cs"/>
+              </a:defRPr>
+            </a:lvl9pPr>
+          </a:lstStyle>
+          <a:p>
+            <a:endParaRPr lang="en-US" dirty="0"/>
+          </a:p>
+          <a:p>
+            <a:endParaRPr lang="en-US" dirty="0"/>
+          </a:p>
+          <a:p>
+            <a:endParaRPr lang="en-US" dirty="0"/>
+          </a:p>
+          <a:p>
+            <a:endParaRPr lang="en-US" dirty="0"/>
+          </a:p>
+          <a:p>
+            <a:endParaRPr lang="en-US" dirty="0"/>
+          </a:p>
+        </p:txBody>
+      </p:sp>
+      <p:pic>
+        <p:nvPicPr>
+          <p:cNvPr id="9" name="Imagem 8">
+            <a:extLst>
+              <a:ext uri="{FF2B5EF4-FFF2-40B4-BE49-F238E27FC236}">
+                <a16:creationId xmlns:a16="http://schemas.microsoft.com/office/drawing/2014/main" id="{52718703-CCE5-4259-9D8A-DF4928DCB782}"/>
+              </a:ext>
+            </a:extLst>
+          </p:cNvPr>
+          <p:cNvPicPr>
+            <a:picLocks noChangeAspect="1"/>
+          </p:cNvPicPr>
+          <p:nvPr/>
+        </p:nvPicPr>
+        <p:blipFill>
+          <a:blip r:embed="rId2"/>
+          <a:stretch>
+            <a:fillRect/>
+          </a:stretch>
+        </p:blipFill>
+        <p:spPr>
+          <a:xfrm>
+            <a:off x="1691603" y="3621192"/>
+            <a:ext cx="719899" cy="375159"/>
+          </a:xfrm>
+          <a:prstGeom prst="rect">
+            <a:avLst/>
+          </a:prstGeom>
+        </p:spPr>
+      </p:pic>
+      <p:pic>
+        <p:nvPicPr>
+          <p:cNvPr id="10" name="Imagem 9">
+            <a:extLst>
+              <a:ext uri="{FF2B5EF4-FFF2-40B4-BE49-F238E27FC236}">
+                <a16:creationId xmlns:a16="http://schemas.microsoft.com/office/drawing/2014/main" id="{AF384A69-3874-40BC-8340-700E5B458C5E}"/>
+              </a:ext>
+            </a:extLst>
+          </p:cNvPr>
+          <p:cNvPicPr>
+            <a:picLocks noChangeAspect="1"/>
+          </p:cNvPicPr>
+          <p:nvPr/>
+        </p:nvPicPr>
+        <p:blipFill>
+          <a:blip r:embed="rId3">
+            <a:clrChange>
+              <a:clrFrom>
+                <a:srgbClr val="FFFFFF"/>
+              </a:clrFrom>
+              <a:clrTo>
+                <a:srgbClr val="FFFFFF">
+                  <a:alpha val="0"/>
+                </a:srgbClr>
+              </a:clrTo>
+            </a:clrChange>
+          </a:blip>
+          <a:stretch>
+            <a:fillRect/>
+          </a:stretch>
+        </p:blipFill>
+        <p:spPr>
+          <a:xfrm>
+            <a:off x="2979692" y="3636612"/>
+            <a:ext cx="714721" cy="344318"/>
+          </a:xfrm>
+          <a:prstGeom prst="rect">
+            <a:avLst/>
+          </a:prstGeom>
+        </p:spPr>
+      </p:pic>
+      <p:pic>
+        <p:nvPicPr>
+          <p:cNvPr id="12" name="Imagem 11">
+            <a:extLst>
+              <a:ext uri="{FF2B5EF4-FFF2-40B4-BE49-F238E27FC236}">
+                <a16:creationId xmlns:a16="http://schemas.microsoft.com/office/drawing/2014/main" id="{7A510891-1D09-4FEB-9766-E8F3749CD010}"/>
+              </a:ext>
+            </a:extLst>
+          </p:cNvPr>
+          <p:cNvPicPr>
+            <a:picLocks noChangeAspect="1"/>
+          </p:cNvPicPr>
+          <p:nvPr/>
+        </p:nvPicPr>
+        <p:blipFill>
+          <a:blip r:embed="rId4"/>
+          <a:stretch>
+            <a:fillRect/>
+          </a:stretch>
+        </p:blipFill>
+        <p:spPr>
+          <a:xfrm>
+            <a:off x="997527" y="2468179"/>
+            <a:ext cx="6124916" cy="1018182"/>
+          </a:xfrm>
+          <a:prstGeom prst="rect">
+            <a:avLst/>
+          </a:prstGeom>
+        </p:spPr>
+      </p:pic>
+      <p:pic>
+        <p:nvPicPr>
+          <p:cNvPr id="14" name="Imagem 13">
+            <a:extLst>
+              <a:ext uri="{FF2B5EF4-FFF2-40B4-BE49-F238E27FC236}">
+                <a16:creationId xmlns:a16="http://schemas.microsoft.com/office/drawing/2014/main" id="{8A0708EA-1E21-4EBC-9742-C81E1ECA5042}"/>
+              </a:ext>
+            </a:extLst>
+          </p:cNvPr>
+          <p:cNvPicPr>
+            <a:picLocks noChangeAspect="1"/>
+          </p:cNvPicPr>
+          <p:nvPr/>
+        </p:nvPicPr>
+        <p:blipFill>
+          <a:blip r:embed="rId5"/>
+          <a:stretch>
+            <a:fillRect/>
+          </a:stretch>
+        </p:blipFill>
+        <p:spPr>
+          <a:xfrm>
+            <a:off x="6410754" y="3591178"/>
+            <a:ext cx="455559" cy="344318"/>
+          </a:xfrm>
+          <a:prstGeom prst="rect">
+            <a:avLst/>
+          </a:prstGeom>
+        </p:spPr>
+      </p:pic>
+      <p:pic>
+        <p:nvPicPr>
+          <p:cNvPr id="15" name="Imagem 14">
+            <a:extLst>
+              <a:ext uri="{FF2B5EF4-FFF2-40B4-BE49-F238E27FC236}">
+                <a16:creationId xmlns:a16="http://schemas.microsoft.com/office/drawing/2014/main" id="{2E3A9B56-3076-4EEF-996A-9506373CDC74}"/>
+              </a:ext>
+            </a:extLst>
+          </p:cNvPr>
+          <p:cNvPicPr>
+            <a:picLocks noChangeAspect="1"/>
+          </p:cNvPicPr>
+          <p:nvPr/>
+        </p:nvPicPr>
+        <p:blipFill>
+          <a:blip r:embed="rId5"/>
+          <a:stretch>
+            <a:fillRect/>
+          </a:stretch>
+        </p:blipFill>
+        <p:spPr>
+          <a:xfrm>
+            <a:off x="6038850" y="4069374"/>
+            <a:ext cx="455559" cy="344318"/>
+          </a:xfrm>
+          <a:prstGeom prst="rect">
+            <a:avLst/>
+          </a:prstGeom>
+        </p:spPr>
+      </p:pic>
+      <p:pic>
+        <p:nvPicPr>
+          <p:cNvPr id="16" name="Imagem 15">
+            <a:extLst>
+              <a:ext uri="{FF2B5EF4-FFF2-40B4-BE49-F238E27FC236}">
+                <a16:creationId xmlns:a16="http://schemas.microsoft.com/office/drawing/2014/main" id="{D8090A3C-1052-43A6-82AD-676D2D9F8BC3}"/>
+              </a:ext>
+            </a:extLst>
+          </p:cNvPr>
+          <p:cNvPicPr>
+            <a:picLocks noChangeAspect="1"/>
+          </p:cNvPicPr>
+          <p:nvPr/>
+        </p:nvPicPr>
+        <p:blipFill rotWithShape="1">
+          <a:blip r:embed="rId4"/>
+          <a:srcRect l="16790" t="63154" r="75772"/>
+          <a:stretch/>
+        </p:blipFill>
+        <p:spPr>
+          <a:xfrm>
+            <a:off x="4945115" y="4069374"/>
+            <a:ext cx="455559" cy="375159"/>
+          </a:xfrm>
+          <a:prstGeom prst="rect">
+            <a:avLst/>
+          </a:prstGeom>
+        </p:spPr>
+      </p:pic>
+    </p:spTree>
+    <p:extLst>
+      <p:ext uri="{BB962C8B-B14F-4D97-AF65-F5344CB8AC3E}">
+        <p14:creationId xmlns:p14="http://schemas.microsoft.com/office/powerpoint/2010/main" val="3881746251"/>
+      </p:ext>
+    </p:extLst>
+  </p:cSld>
+  <p:clrMapOvr>
+    <a:masterClrMapping/>
+  </p:clrMapOvr>
+</p:sld>
+</file>
+
+<file path=ppt/slides/slide14.xml><?xml version="1.0" encoding="utf-8"?>
+<p:sld xmlns:a="http://schemas.openxmlformats.org/drawingml/2006/main" xmlns:r="http://schemas.openxmlformats.org/officeDocument/2006/relationships" xmlns:p="http://schemas.openxmlformats.org/presentationml/2006/main">
+  <p:cSld>
+    <p:spTree>
+      <p:nvGrpSpPr>
+        <p:cNvPr id="1" name=""/>
+        <p:cNvGrpSpPr/>
+        <p:nvPr/>
+      </p:nvGrpSpPr>
+      <p:grpSpPr>
+        <a:xfrm>
+          <a:off x="0" y="0"/>
+          <a:ext cx="0" cy="0"/>
+          <a:chOff x="0" y="0"/>
+          <a:chExt cx="0" cy="0"/>
+        </a:xfrm>
+      </p:grpSpPr>
+      <p:sp>
+        <p:nvSpPr>
+          <p:cNvPr id="3" name="Marcador de Posição de Conteúdo 2">
+            <a:extLst>
+              <a:ext uri="{FF2B5EF4-FFF2-40B4-BE49-F238E27FC236}">
+                <a16:creationId xmlns:a16="http://schemas.microsoft.com/office/drawing/2014/main" id="{96D4CFC1-6135-408A-94F8-AF1CC1A5E598}"/>
+              </a:ext>
+            </a:extLst>
+          </p:cNvPr>
+          <p:cNvSpPr>
+            <a:spLocks noGrp="1"/>
+          </p:cNvSpPr>
+          <p:nvPr>
+            <p:ph idx="1"/>
+          </p:nvPr>
+        </p:nvSpPr>
+        <p:spPr>
+          <a:xfrm>
+            <a:off x="676656" y="2011680"/>
+            <a:ext cx="10517817" cy="4211320"/>
+          </a:xfrm>
+        </p:spPr>
+        <p:txBody>
+          <a:bodyPr>
+            <a:normAutofit/>
+          </a:bodyPr>
+          <a:lstStyle/>
+          <a:p>
+            <a:r>
+              <a:rPr lang="en-US" dirty="0"/>
+              <a:t>As with Heston, we have closed-form solutions in SABR that make calibration easy</a:t>
+            </a:r>
+          </a:p>
+          <a:p>
+            <a:endParaRPr lang="en-US" dirty="0"/>
+          </a:p>
+          <a:p>
+            <a:endParaRPr lang="en-US" dirty="0"/>
+          </a:p>
+          <a:p>
+            <a:r>
+              <a:rPr lang="en-US" dirty="0"/>
+              <a:t>                                                                                                                         …</a:t>
+            </a:r>
+          </a:p>
+          <a:p>
+            <a:endParaRPr lang="en-US" dirty="0"/>
+          </a:p>
+          <a:p>
+            <a:pPr marL="0" indent="0">
+              <a:buNone/>
+            </a:pPr>
+            <a:r>
+              <a:rPr lang="en-US" dirty="0"/>
+              <a:t>                                                                                                                           …</a:t>
+            </a:r>
+          </a:p>
+          <a:p>
+            <a:r>
+              <a:rPr lang="en-US" dirty="0"/>
+              <a:t> </a:t>
+            </a:r>
+          </a:p>
+          <a:p>
+            <a:r>
+              <a:rPr lang="en-US" dirty="0"/>
+              <a:t>From this, we can directly obtain the implied volatility with any parameter set</a:t>
+            </a:r>
+          </a:p>
+          <a:p>
+            <a:pPr lvl="1"/>
+            <a:r>
+              <a:rPr lang="en-US" dirty="0"/>
+              <a:t>    </a:t>
+            </a:r>
+            <a:r>
+              <a:rPr lang="en-US" b="1" dirty="0"/>
+              <a:t>Calibration is now easy</a:t>
+            </a:r>
+          </a:p>
+          <a:p>
+            <a:endParaRPr lang="en-US" dirty="0"/>
+          </a:p>
+        </p:txBody>
+      </p:sp>
+      <p:sp>
+        <p:nvSpPr>
+          <p:cNvPr id="4" name="Marcador de Posição do Número do Diapositivo 3">
+            <a:extLst>
+              <a:ext uri="{FF2B5EF4-FFF2-40B4-BE49-F238E27FC236}">
+                <a16:creationId xmlns:a16="http://schemas.microsoft.com/office/drawing/2014/main" id="{1EF69901-51FA-4AF4-9067-C96F7FAAF228}"/>
+              </a:ext>
+            </a:extLst>
+          </p:cNvPr>
+          <p:cNvSpPr>
+            <a:spLocks noGrp="1"/>
+          </p:cNvSpPr>
+          <p:nvPr>
+            <p:ph type="sldNum" sz="quarter" idx="12"/>
+          </p:nvPr>
+        </p:nvSpPr>
+        <p:spPr/>
+        <p:txBody>
+          <a:bodyPr/>
+          <a:lstStyle/>
+          <a:p>
+            <a:fld id="{E6C1293F-E0FB-479A-BC72-60F8B8633E59}" type="slidenum">
+              <a:rPr lang="en-US" smtClean="0"/>
+              <a:t>13</a:t>
+            </a:fld>
+            <a:endParaRPr lang="en-US" dirty="0"/>
+          </a:p>
+        </p:txBody>
+      </p:sp>
+      <p:sp>
+        <p:nvSpPr>
+          <p:cNvPr id="5" name="Título 3">
+            <a:extLst>
+              <a:ext uri="{FF2B5EF4-FFF2-40B4-BE49-F238E27FC236}">
+                <a16:creationId xmlns:a16="http://schemas.microsoft.com/office/drawing/2014/main" id="{53196167-6610-4B84-8939-6489E76EFECE}"/>
+              </a:ext>
+            </a:extLst>
+          </p:cNvPr>
+          <p:cNvSpPr>
+            <a:spLocks noGrp="1"/>
+          </p:cNvSpPr>
+          <p:nvPr>
+            <p:ph type="title"/>
+          </p:nvPr>
+        </p:nvSpPr>
+        <p:spPr>
+          <a:xfrm>
+            <a:off x="657224" y="499533"/>
+            <a:ext cx="10537249" cy="1658198"/>
+          </a:xfrm>
+        </p:spPr>
+        <p:txBody>
+          <a:bodyPr/>
+          <a:lstStyle/>
+          <a:p>
+            <a:r>
+              <a:rPr lang="en-US" dirty="0"/>
+              <a:t>Models – Static/Dynamic SABR</a:t>
+            </a:r>
+          </a:p>
+        </p:txBody>
+      </p:sp>
+      <p:pic>
+        <p:nvPicPr>
+          <p:cNvPr id="7" name="Imagem 6">
+            <a:extLst>
+              <a:ext uri="{FF2B5EF4-FFF2-40B4-BE49-F238E27FC236}">
+                <a16:creationId xmlns:a16="http://schemas.microsoft.com/office/drawing/2014/main" id="{3A5AA0A4-6792-46A7-B8CB-FB1FE852C664}"/>
+              </a:ext>
+            </a:extLst>
+          </p:cNvPr>
+          <p:cNvPicPr>
+            <a:picLocks noChangeAspect="1"/>
+          </p:cNvPicPr>
+          <p:nvPr/>
+        </p:nvPicPr>
+        <p:blipFill>
+          <a:blip r:embed="rId2"/>
+          <a:stretch>
+            <a:fillRect/>
+          </a:stretch>
+        </p:blipFill>
+        <p:spPr>
+          <a:xfrm>
+            <a:off x="997527" y="4384060"/>
+            <a:ext cx="6988479" cy="554312"/>
+          </a:xfrm>
+          <a:prstGeom prst="rect">
+            <a:avLst/>
+          </a:prstGeom>
+        </p:spPr>
+      </p:pic>
+      <p:pic>
+        <p:nvPicPr>
+          <p:cNvPr id="8" name="Imagem 7">
+            <a:extLst>
+              <a:ext uri="{FF2B5EF4-FFF2-40B4-BE49-F238E27FC236}">
+                <a16:creationId xmlns:a16="http://schemas.microsoft.com/office/drawing/2014/main" id="{2EBF6023-53A6-454C-8465-FDA09FE85504}"/>
+              </a:ext>
+            </a:extLst>
+          </p:cNvPr>
+          <p:cNvPicPr>
+            <a:picLocks noChangeAspect="1"/>
+          </p:cNvPicPr>
+          <p:nvPr/>
+        </p:nvPicPr>
+        <p:blipFill>
+          <a:blip r:embed="rId3"/>
+          <a:stretch>
+            <a:fillRect/>
+          </a:stretch>
+        </p:blipFill>
+        <p:spPr>
+          <a:xfrm>
+            <a:off x="997527" y="2494619"/>
+            <a:ext cx="7708002" cy="1438253"/>
+          </a:xfrm>
+          <a:prstGeom prst="rect">
+            <a:avLst/>
+          </a:prstGeom>
+        </p:spPr>
+      </p:pic>
+      <p:cxnSp>
+        <p:nvCxnSpPr>
+          <p:cNvPr id="9" name="Conexão reta unidirecional 8">
+            <a:extLst>
+              <a:ext uri="{FF2B5EF4-FFF2-40B4-BE49-F238E27FC236}">
+                <a16:creationId xmlns:a16="http://schemas.microsoft.com/office/drawing/2014/main" id="{21ED24ED-A07A-49C6-8F60-62066F16A07D}"/>
+              </a:ext>
+            </a:extLst>
+          </p:cNvPr>
+          <p:cNvCxnSpPr>
+            <a:cxnSpLocks/>
+          </p:cNvCxnSpPr>
+          <p:nvPr/>
+        </p:nvCxnSpPr>
+        <p:spPr>
+          <a:xfrm>
+            <a:off x="850605" y="5914231"/>
+            <a:ext cx="467833" cy="0"/>
+          </a:xfrm>
+          <a:prstGeom prst="straightConnector1">
+            <a:avLst/>
+          </a:prstGeom>
+          <a:ln w="57150">
+            <a:tailEnd type="triangle"/>
+          </a:ln>
+        </p:spPr>
+        <p:style>
+          <a:lnRef idx="1">
+            <a:schemeClr val="accent1"/>
+          </a:lnRef>
+          <a:fillRef idx="0">
+            <a:schemeClr val="accent1"/>
+          </a:fillRef>
+          <a:effectRef idx="0">
+            <a:schemeClr val="accent1"/>
+          </a:effectRef>
+          <a:fontRef idx="minor">
+            <a:schemeClr val="tx1"/>
+          </a:fontRef>
+        </p:style>
+      </p:cxnSp>
+    </p:spTree>
+    <p:extLst>
+      <p:ext uri="{BB962C8B-B14F-4D97-AF65-F5344CB8AC3E}">
+        <p14:creationId xmlns:p14="http://schemas.microsoft.com/office/powerpoint/2010/main" val="247406434"/>
+      </p:ext>
+    </p:extLst>
+  </p:cSld>
+  <p:clrMapOvr>
+    <a:masterClrMapping/>
+  </p:clrMapOvr>
+</p:sld>
+</file>
+
+<file path=ppt/slides/slide15.xml><?xml version="1.0" encoding="utf-8"?>
+<p:sld xmlns:a="http://schemas.openxmlformats.org/drawingml/2006/main" xmlns:r="http://schemas.openxmlformats.org/officeDocument/2006/relationships" xmlns:p="http://schemas.openxmlformats.org/presentationml/2006/main">
+  <p:cSld>
+    <p:spTree>
+      <p:nvGrpSpPr>
+        <p:cNvPr id="1" name=""/>
+        <p:cNvGrpSpPr/>
+        <p:nvPr/>
+      </p:nvGrpSpPr>
+      <p:grpSpPr>
+        <a:xfrm>
+          <a:off x="0" y="0"/>
+          <a:ext cx="0" cy="0"/>
+          <a:chOff x="0" y="0"/>
+          <a:chExt cx="0" cy="0"/>
+        </a:xfrm>
+      </p:grpSpPr>
+      <p:sp>
+        <p:nvSpPr>
+          <p:cNvPr id="7" name="Título 6">
+            <a:extLst>
+              <a:ext uri="{FF2B5EF4-FFF2-40B4-BE49-F238E27FC236}">
+                <a16:creationId xmlns:a16="http://schemas.microsoft.com/office/drawing/2014/main" id="{7B12BF62-4BBE-475F-9B0A-D3DAABED36CE}"/>
+              </a:ext>
+            </a:extLst>
+          </p:cNvPr>
+          <p:cNvSpPr>
+            <a:spLocks noGrp="1"/>
+          </p:cNvSpPr>
+          <p:nvPr>
+            <p:ph type="title"/>
+          </p:nvPr>
+        </p:nvSpPr>
+        <p:spPr/>
+        <p:txBody>
+          <a:bodyPr/>
+          <a:lstStyle/>
+          <a:p>
+            <a:r>
+              <a:rPr lang="en-US" dirty="0"/>
+              <a:t>Results</a:t>
+            </a:r>
+          </a:p>
+        </p:txBody>
+      </p:sp>
+      <p:sp>
+        <p:nvSpPr>
+          <p:cNvPr id="8" name="Marcador de Posição do Texto 7">
+            <a:extLst>
+              <a:ext uri="{FF2B5EF4-FFF2-40B4-BE49-F238E27FC236}">
+                <a16:creationId xmlns:a16="http://schemas.microsoft.com/office/drawing/2014/main" id="{703CEF8B-6152-4144-8E75-0023BCCBF29D}"/>
+              </a:ext>
+            </a:extLst>
+          </p:cNvPr>
+          <p:cNvSpPr>
+            <a:spLocks noGrp="1"/>
+          </p:cNvSpPr>
+          <p:nvPr>
+            <p:ph type="body" idx="1"/>
+          </p:nvPr>
+        </p:nvSpPr>
+        <p:spPr/>
+        <p:txBody>
+          <a:bodyPr/>
+          <a:lstStyle/>
+          <a:p>
+            <a:endParaRPr lang="en-US"/>
+          </a:p>
+        </p:txBody>
+      </p:sp>
+      <p:sp>
+        <p:nvSpPr>
+          <p:cNvPr id="4" name="Marcador de Posição do Número do Diapositivo 3">
+            <a:extLst>
+              <a:ext uri="{FF2B5EF4-FFF2-40B4-BE49-F238E27FC236}">
+                <a16:creationId xmlns:a16="http://schemas.microsoft.com/office/drawing/2014/main" id="{35F9F198-49B8-4B4D-A451-5EBFE7C015E5}"/>
+              </a:ext>
+            </a:extLst>
+          </p:cNvPr>
+          <p:cNvSpPr>
+            <a:spLocks noGrp="1"/>
+          </p:cNvSpPr>
+          <p:nvPr>
+            <p:ph type="sldNum" sz="quarter" idx="4294967295"/>
+          </p:nvPr>
+        </p:nvSpPr>
+        <p:spPr>
+          <a:xfrm>
+            <a:off x="9740900" y="5959475"/>
+            <a:ext cx="2451100" cy="906463"/>
+          </a:xfrm>
+        </p:spPr>
+        <p:txBody>
+          <a:bodyPr/>
+          <a:lstStyle/>
+          <a:p>
+            <a:fld id="{E6C1293F-E0FB-479A-BC72-60F8B8633E59}" type="slidenum">
+              <a:rPr lang="en-US" smtClean="0"/>
+              <a:t>14</a:t>
+            </a:fld>
+            <a:endParaRPr lang="en-US" dirty="0"/>
+          </a:p>
+        </p:txBody>
+      </p:sp>
+    </p:spTree>
+    <p:extLst>
+      <p:ext uri="{BB962C8B-B14F-4D97-AF65-F5344CB8AC3E}">
+        <p14:creationId xmlns:p14="http://schemas.microsoft.com/office/powerpoint/2010/main" val="1214878683"/>
+      </p:ext>
+    </p:extLst>
+  </p:cSld>
+  <p:clrMapOvr>
+    <a:masterClrMapping/>
+  </p:clrMapOvr>
+</p:sld>
+</file>
+
+<file path=ppt/slides/slide16.xml><?xml version="1.0" encoding="utf-8"?>
+<p:sld xmlns:a="http://schemas.openxmlformats.org/drawingml/2006/main" xmlns:r="http://schemas.openxmlformats.org/officeDocument/2006/relationships" xmlns:p="http://schemas.openxmlformats.org/presentationml/2006/main">
+  <p:cSld>
+    <p:spTree>
+      <p:nvGrpSpPr>
+        <p:cNvPr id="1" name=""/>
+        <p:cNvGrpSpPr/>
+        <p:nvPr/>
+      </p:nvGrpSpPr>
+      <p:grpSpPr>
+        <a:xfrm>
+          <a:off x="0" y="0"/>
+          <a:ext cx="0" cy="0"/>
+          <a:chOff x="0" y="0"/>
+          <a:chExt cx="0" cy="0"/>
+        </a:xfrm>
+      </p:grpSpPr>
+      <p:sp>
+        <p:nvSpPr>
+          <p:cNvPr id="4" name="Título 3">
+            <a:extLst>
+              <a:ext uri="{FF2B5EF4-FFF2-40B4-BE49-F238E27FC236}">
+                <a16:creationId xmlns:a16="http://schemas.microsoft.com/office/drawing/2014/main" id="{6B3246CA-FC29-407A-93F1-223427C0F771}"/>
+              </a:ext>
+            </a:extLst>
+          </p:cNvPr>
+          <p:cNvSpPr>
+            <a:spLocks noGrp="1"/>
+          </p:cNvSpPr>
+          <p:nvPr>
+            <p:ph type="title"/>
+          </p:nvPr>
+        </p:nvSpPr>
+        <p:spPr/>
+        <p:txBody>
+          <a:bodyPr/>
+          <a:lstStyle/>
+          <a:p>
+            <a:r>
+              <a:rPr lang="en-US" dirty="0"/>
+              <a:t>Results</a:t>
+            </a:r>
+          </a:p>
+        </p:txBody>
+      </p:sp>
+      <p:sp>
+        <p:nvSpPr>
+          <p:cNvPr id="5" name="Marcador de Posição de Conteúdo 4">
+            <a:extLst>
+              <a:ext uri="{FF2B5EF4-FFF2-40B4-BE49-F238E27FC236}">
+                <a16:creationId xmlns:a16="http://schemas.microsoft.com/office/drawing/2014/main" id="{C9B56CE4-28BB-45EE-B6D3-F3C4F51BB0B1}"/>
+              </a:ext>
+            </a:extLst>
+          </p:cNvPr>
+          <p:cNvSpPr>
+            <a:spLocks noGrp="1"/>
+          </p:cNvSpPr>
+          <p:nvPr>
+            <p:ph sz="half" idx="1"/>
+          </p:nvPr>
+        </p:nvSpPr>
+        <p:spPr>
+          <a:xfrm>
+            <a:off x="676656" y="1998134"/>
+            <a:ext cx="5419344" cy="4174066"/>
+          </a:xfrm>
+        </p:spPr>
+        <p:txBody>
+          <a:bodyPr>
+            <a:normAutofit/>
+          </a:bodyPr>
+          <a:lstStyle/>
+          <a:p>
+            <a:r>
+              <a:rPr lang="en-US" dirty="0"/>
+              <a:t>We calibrated the models using the implied volatilities of real options with 7 different strikes over 4 maturities.</a:t>
+            </a:r>
+          </a:p>
+          <a:p>
+            <a:r>
+              <a:rPr lang="en-US" dirty="0"/>
+              <a:t>In the calibration we use a </a:t>
+            </a:r>
+            <a:r>
+              <a:rPr lang="en-US" b="1" dirty="0"/>
+              <a:t>cost function</a:t>
+            </a:r>
+            <a:r>
+              <a:rPr lang="en-US" dirty="0"/>
+              <a:t>, which we can use to compare the models.</a:t>
+            </a:r>
+          </a:p>
+          <a:p>
+            <a:r>
+              <a:rPr lang="en-US" dirty="0"/>
+              <a:t>The models were implemented in a Monte Carlo numerical pricer with the calibrated parameters to produce simulated results.</a:t>
+            </a:r>
+          </a:p>
+        </p:txBody>
+      </p:sp>
+      <p:pic>
+        <p:nvPicPr>
+          <p:cNvPr id="7" name="Marcador de Posição de Conteúdo 6">
+            <a:extLst>
+              <a:ext uri="{FF2B5EF4-FFF2-40B4-BE49-F238E27FC236}">
+                <a16:creationId xmlns:a16="http://schemas.microsoft.com/office/drawing/2014/main" id="{EDF297CC-D055-4E82-AFE3-3E8E328AC770}"/>
+              </a:ext>
+            </a:extLst>
+          </p:cNvPr>
+          <p:cNvPicPr>
+            <a:picLocks noGrp="1" noChangeAspect="1"/>
+          </p:cNvPicPr>
+          <p:nvPr>
+            <p:ph sz="half" idx="2"/>
+          </p:nvPr>
+        </p:nvPicPr>
+        <p:blipFill>
+          <a:blip r:embed="rId2"/>
+          <a:stretch>
+            <a:fillRect/>
+          </a:stretch>
+        </p:blipFill>
+        <p:spPr>
+          <a:xfrm>
+            <a:off x="6271658" y="1998134"/>
+            <a:ext cx="4662487" cy="3197831"/>
+          </a:xfrm>
+          <a:prstGeom prst="rect">
+            <a:avLst/>
+          </a:prstGeom>
+        </p:spPr>
+      </p:pic>
+      <p:sp>
+        <p:nvSpPr>
+          <p:cNvPr id="8" name="CaixaDeTexto 7">
+            <a:extLst>
+              <a:ext uri="{FF2B5EF4-FFF2-40B4-BE49-F238E27FC236}">
+                <a16:creationId xmlns:a16="http://schemas.microsoft.com/office/drawing/2014/main" id="{28A44294-3AF3-492F-9381-1790049B7FAC}"/>
+              </a:ext>
+            </a:extLst>
+          </p:cNvPr>
+          <p:cNvSpPr txBox="1"/>
+          <p:nvPr/>
+        </p:nvSpPr>
+        <p:spPr>
+          <a:xfrm>
+            <a:off x="6271658" y="5195965"/>
+            <a:ext cx="4662487" cy="523220"/>
+          </a:xfrm>
+          <a:prstGeom prst="rect">
+            <a:avLst/>
+          </a:prstGeom>
+          <a:noFill/>
+        </p:spPr>
+        <p:txBody>
+          <a:bodyPr wrap="square" rtlCol="0">
+            <a:spAutoFit/>
+          </a:bodyPr>
+          <a:lstStyle/>
+          <a:p>
+            <a:pPr algn="ctr"/>
+            <a:r>
+              <a:rPr lang="en-US" sz="1400" dirty="0"/>
+              <a:t>Implied volatility data to be used on calibration</a:t>
+            </a:r>
+          </a:p>
+          <a:p>
+            <a:pPr algn="ctr"/>
+            <a:r>
+              <a:rPr lang="en-US" sz="1400" dirty="0"/>
+              <a:t>(with a maturity of 42 days)</a:t>
+            </a:r>
+          </a:p>
+        </p:txBody>
+      </p:sp>
+    </p:spTree>
+    <p:extLst>
+      <p:ext uri="{BB962C8B-B14F-4D97-AF65-F5344CB8AC3E}">
+        <p14:creationId xmlns:p14="http://schemas.microsoft.com/office/powerpoint/2010/main" val="1200270147"/>
+      </p:ext>
+    </p:extLst>
+  </p:cSld>
+  <p:clrMapOvr>
+    <a:masterClrMapping/>
+  </p:clrMapOvr>
+</p:sld>
+</file>
+
+<file path=ppt/slides/slide17.xml><?xml version="1.0" encoding="utf-8"?>
+<p:sld xmlns:a="http://schemas.openxmlformats.org/drawingml/2006/main" xmlns:r="http://schemas.openxmlformats.org/officeDocument/2006/relationships" xmlns:p="http://schemas.openxmlformats.org/presentationml/2006/main">
+  <p:cSld>
+    <p:spTree>
+      <p:nvGrpSpPr>
+        <p:cNvPr id="1" name=""/>
+        <p:cNvGrpSpPr/>
+        <p:nvPr/>
+      </p:nvGrpSpPr>
+      <p:grpSpPr>
+        <a:xfrm>
+          <a:off x="0" y="0"/>
+          <a:ext cx="0" cy="0"/>
+          <a:chOff x="0" y="0"/>
+          <a:chExt cx="0" cy="0"/>
+        </a:xfrm>
+      </p:grpSpPr>
+      <p:sp>
+        <p:nvSpPr>
+          <p:cNvPr id="2" name="Título 1">
+            <a:extLst>
+              <a:ext uri="{FF2B5EF4-FFF2-40B4-BE49-F238E27FC236}">
+                <a16:creationId xmlns:a16="http://schemas.microsoft.com/office/drawing/2014/main" id="{E8A94BFA-D975-4995-9C98-67F5B9C76284}"/>
+              </a:ext>
+            </a:extLst>
+          </p:cNvPr>
+          <p:cNvSpPr>
+            <a:spLocks noGrp="1"/>
+          </p:cNvSpPr>
+          <p:nvPr>
+            <p:ph type="title"/>
+          </p:nvPr>
+        </p:nvSpPr>
+        <p:spPr/>
+        <p:txBody>
+          <a:bodyPr/>
+          <a:lstStyle/>
+          <a:p>
+            <a:r>
+              <a:rPr lang="en-US" dirty="0"/>
+              <a:t>Results</a:t>
+            </a:r>
+          </a:p>
+        </p:txBody>
+      </p:sp>
+      <p:pic>
+        <p:nvPicPr>
+          <p:cNvPr id="6" name="Marcador de Posição de Conteúdo 5">
+            <a:extLst>
+              <a:ext uri="{FF2B5EF4-FFF2-40B4-BE49-F238E27FC236}">
+                <a16:creationId xmlns:a16="http://schemas.microsoft.com/office/drawing/2014/main" id="{9AA75FB0-085F-4BEF-9250-6B38C0601EFB}"/>
+              </a:ext>
+            </a:extLst>
+          </p:cNvPr>
+          <p:cNvPicPr>
+            <a:picLocks noGrp="1" noChangeAspect="1"/>
+          </p:cNvPicPr>
+          <p:nvPr>
+            <p:ph sz="half" idx="1"/>
+          </p:nvPr>
+        </p:nvPicPr>
+        <p:blipFill>
+          <a:blip r:embed="rId2"/>
+          <a:stretch>
+            <a:fillRect/>
+          </a:stretch>
+        </p:blipFill>
+        <p:spPr>
+          <a:xfrm>
+            <a:off x="676275" y="2276524"/>
+            <a:ext cx="4664075" cy="3211415"/>
+          </a:xfrm>
+          <a:prstGeom prst="rect">
+            <a:avLst/>
+          </a:prstGeom>
+        </p:spPr>
+      </p:pic>
+      <p:sp>
+        <p:nvSpPr>
+          <p:cNvPr id="5" name="Marcador de Posição do Número do Diapositivo 4">
+            <a:extLst>
+              <a:ext uri="{FF2B5EF4-FFF2-40B4-BE49-F238E27FC236}">
+                <a16:creationId xmlns:a16="http://schemas.microsoft.com/office/drawing/2014/main" id="{7150A033-9BF8-41E7-8FCA-5A9181726782}"/>
+              </a:ext>
+            </a:extLst>
+          </p:cNvPr>
+          <p:cNvSpPr>
+            <a:spLocks noGrp="1"/>
+          </p:cNvSpPr>
+          <p:nvPr>
+            <p:ph type="sldNum" sz="quarter" idx="12"/>
+          </p:nvPr>
+        </p:nvSpPr>
+        <p:spPr/>
+        <p:txBody>
+          <a:bodyPr/>
+          <a:lstStyle/>
+          <a:p>
+            <a:fld id="{E6C1293F-E0FB-479A-BC72-60F8B8633E59}" type="slidenum">
+              <a:rPr lang="en-US" smtClean="0"/>
+              <a:t>16</a:t>
+            </a:fld>
+            <a:endParaRPr lang="en-US" dirty="0"/>
+          </a:p>
+        </p:txBody>
+      </p:sp>
+      <p:sp>
+        <p:nvSpPr>
+          <p:cNvPr id="8" name="CaixaDeTexto 7">
+            <a:extLst>
+              <a:ext uri="{FF2B5EF4-FFF2-40B4-BE49-F238E27FC236}">
+                <a16:creationId xmlns:a16="http://schemas.microsoft.com/office/drawing/2014/main" id="{688A4DAD-7497-42B6-87F4-91EC315E0BA4}"/>
+              </a:ext>
+            </a:extLst>
+          </p:cNvPr>
+          <p:cNvSpPr txBox="1"/>
+          <p:nvPr/>
+        </p:nvSpPr>
+        <p:spPr>
+          <a:xfrm>
+            <a:off x="657224" y="5483052"/>
+            <a:ext cx="4683126" cy="369332"/>
+          </a:xfrm>
+          <a:prstGeom prst="rect">
+            <a:avLst/>
+          </a:prstGeom>
+          <a:noFill/>
+        </p:spPr>
+        <p:txBody>
+          <a:bodyPr wrap="square" rtlCol="0">
+            <a:spAutoFit/>
+          </a:bodyPr>
+          <a:lstStyle/>
+          <a:p>
+            <a:pPr algn="ctr"/>
+            <a:r>
+              <a:rPr lang="en-US" dirty="0"/>
+              <a:t>Dupire’s model</a:t>
+            </a:r>
+          </a:p>
+        </p:txBody>
+      </p:sp>
+      <p:sp>
+        <p:nvSpPr>
+          <p:cNvPr id="9" name="CaixaDeTexto 8">
+            <a:extLst>
+              <a:ext uri="{FF2B5EF4-FFF2-40B4-BE49-F238E27FC236}">
+                <a16:creationId xmlns:a16="http://schemas.microsoft.com/office/drawing/2014/main" id="{4E18B443-ABDC-45B6-897A-0285B468E836}"/>
+              </a:ext>
+            </a:extLst>
+          </p:cNvPr>
+          <p:cNvSpPr txBox="1"/>
+          <p:nvPr/>
+        </p:nvSpPr>
+        <p:spPr>
+          <a:xfrm>
+            <a:off x="6001543" y="5483052"/>
+            <a:ext cx="4683126" cy="369332"/>
+          </a:xfrm>
+          <a:prstGeom prst="rect">
+            <a:avLst/>
+          </a:prstGeom>
+          <a:noFill/>
+        </p:spPr>
+        <p:txBody>
+          <a:bodyPr wrap="square" rtlCol="0">
+            <a:spAutoFit/>
+          </a:bodyPr>
+          <a:lstStyle/>
+          <a:p>
+            <a:pPr algn="ctr"/>
+            <a:r>
+              <a:rPr lang="en-US" dirty="0"/>
+              <a:t>Heston’s model</a:t>
+            </a:r>
+          </a:p>
+        </p:txBody>
+      </p:sp>
+      <p:pic>
+        <p:nvPicPr>
+          <p:cNvPr id="14" name="Marcador de Posição de Conteúdo 13">
+            <a:extLst>
+              <a:ext uri="{FF2B5EF4-FFF2-40B4-BE49-F238E27FC236}">
+                <a16:creationId xmlns:a16="http://schemas.microsoft.com/office/drawing/2014/main" id="{4919D357-C908-4DB1-A137-A89C7DBFECA3}"/>
+              </a:ext>
+            </a:extLst>
+          </p:cNvPr>
+          <p:cNvPicPr>
+            <a:picLocks noGrp="1" noChangeAspect="1"/>
+          </p:cNvPicPr>
+          <p:nvPr>
+            <p:ph sz="half" idx="2"/>
+          </p:nvPr>
+        </p:nvPicPr>
+        <p:blipFill>
+          <a:blip r:embed="rId3"/>
+          <a:stretch>
+            <a:fillRect/>
+          </a:stretch>
+        </p:blipFill>
+        <p:spPr>
+          <a:xfrm>
+            <a:off x="6011863" y="2262082"/>
+            <a:ext cx="4662487" cy="3240298"/>
+          </a:xfrm>
+          <a:prstGeom prst="rect">
+            <a:avLst/>
+          </a:prstGeom>
+        </p:spPr>
+      </p:pic>
+    </p:spTree>
+    <p:extLst>
+      <p:ext uri="{BB962C8B-B14F-4D97-AF65-F5344CB8AC3E}">
+        <p14:creationId xmlns:p14="http://schemas.microsoft.com/office/powerpoint/2010/main" val="9957909"/>
+      </p:ext>
+    </p:extLst>
+  </p:cSld>
+  <p:clrMapOvr>
+    <a:masterClrMapping/>
+  </p:clrMapOvr>
+</p:sld>
+</file>
+
+<file path=ppt/slides/slide18.xml><?xml version="1.0" encoding="utf-8"?>
+<p:sld xmlns:a="http://schemas.openxmlformats.org/drawingml/2006/main" xmlns:r="http://schemas.openxmlformats.org/officeDocument/2006/relationships" xmlns:p="http://schemas.openxmlformats.org/presentationml/2006/main">
+  <p:cSld>
+    <p:spTree>
+      <p:nvGrpSpPr>
+        <p:cNvPr id="1" name=""/>
+        <p:cNvGrpSpPr/>
+        <p:nvPr/>
+      </p:nvGrpSpPr>
+      <p:grpSpPr>
+        <a:xfrm>
+          <a:off x="0" y="0"/>
+          <a:ext cx="0" cy="0"/>
+          <a:chOff x="0" y="0"/>
+          <a:chExt cx="0" cy="0"/>
+        </a:xfrm>
+      </p:grpSpPr>
+      <p:sp>
+        <p:nvSpPr>
+          <p:cNvPr id="2" name="Título 1">
+            <a:extLst>
+              <a:ext uri="{FF2B5EF4-FFF2-40B4-BE49-F238E27FC236}">
+                <a16:creationId xmlns:a16="http://schemas.microsoft.com/office/drawing/2014/main" id="{2C91390D-DF6C-4E91-86E2-D476BAB5720C}"/>
+              </a:ext>
+            </a:extLst>
+          </p:cNvPr>
+          <p:cNvSpPr>
+            <a:spLocks noGrp="1"/>
+          </p:cNvSpPr>
+          <p:nvPr>
+            <p:ph type="title"/>
+          </p:nvPr>
+        </p:nvSpPr>
+        <p:spPr/>
+        <p:txBody>
+          <a:bodyPr/>
+          <a:lstStyle/>
+          <a:p>
+            <a:r>
+              <a:rPr lang="en-US" dirty="0"/>
+              <a:t>Results</a:t>
+            </a:r>
+          </a:p>
+        </p:txBody>
+      </p:sp>
+      <p:pic>
+        <p:nvPicPr>
+          <p:cNvPr id="12" name="Marcador de Posição de Conteúdo 11">
+            <a:extLst>
+              <a:ext uri="{FF2B5EF4-FFF2-40B4-BE49-F238E27FC236}">
+                <a16:creationId xmlns:a16="http://schemas.microsoft.com/office/drawing/2014/main" id="{80F1D153-7E7D-474A-BF73-480A9A690994}"/>
+              </a:ext>
+            </a:extLst>
+          </p:cNvPr>
+          <p:cNvPicPr>
+            <a:picLocks noGrp="1" noChangeAspect="1"/>
+          </p:cNvPicPr>
+          <p:nvPr>
+            <p:ph sz="half" idx="1"/>
+          </p:nvPr>
+        </p:nvPicPr>
+        <p:blipFill>
+          <a:blip r:embed="rId2"/>
+          <a:stretch>
+            <a:fillRect/>
+          </a:stretch>
+        </p:blipFill>
+        <p:spPr>
+          <a:xfrm>
+            <a:off x="676275" y="2260512"/>
+            <a:ext cx="4664075" cy="3243438"/>
+          </a:xfrm>
+          <a:prstGeom prst="rect">
+            <a:avLst/>
+          </a:prstGeom>
+        </p:spPr>
+      </p:pic>
+      <p:sp>
+        <p:nvSpPr>
+          <p:cNvPr id="5" name="Marcador de Posição do Número do Diapositivo 4">
+            <a:extLst>
+              <a:ext uri="{FF2B5EF4-FFF2-40B4-BE49-F238E27FC236}">
+                <a16:creationId xmlns:a16="http://schemas.microsoft.com/office/drawing/2014/main" id="{ED72014D-13E2-4F50-900B-0ACC2D1EA7C5}"/>
+              </a:ext>
+            </a:extLst>
+          </p:cNvPr>
+          <p:cNvSpPr>
+            <a:spLocks noGrp="1"/>
+          </p:cNvSpPr>
+          <p:nvPr>
+            <p:ph type="sldNum" sz="quarter" idx="12"/>
+          </p:nvPr>
+        </p:nvSpPr>
+        <p:spPr/>
+        <p:txBody>
+          <a:bodyPr/>
+          <a:lstStyle/>
+          <a:p>
+            <a:fld id="{E6C1293F-E0FB-479A-BC72-60F8B8633E59}" type="slidenum">
+              <a:rPr lang="en-US" smtClean="0"/>
+              <a:t>17</a:t>
+            </a:fld>
+            <a:endParaRPr lang="en-US" dirty="0"/>
+          </a:p>
+        </p:txBody>
+      </p:sp>
+      <p:sp>
+        <p:nvSpPr>
+          <p:cNvPr id="6" name="CaixaDeTexto 5">
+            <a:extLst>
+              <a:ext uri="{FF2B5EF4-FFF2-40B4-BE49-F238E27FC236}">
+                <a16:creationId xmlns:a16="http://schemas.microsoft.com/office/drawing/2014/main" id="{370B48C5-9FF7-4942-A2F8-D23B4403209F}"/>
+              </a:ext>
+            </a:extLst>
+          </p:cNvPr>
+          <p:cNvSpPr txBox="1"/>
+          <p:nvPr/>
+        </p:nvSpPr>
+        <p:spPr>
+          <a:xfrm>
+            <a:off x="657224" y="5483052"/>
+            <a:ext cx="4683126" cy="369332"/>
+          </a:xfrm>
+          <a:prstGeom prst="rect">
+            <a:avLst/>
+          </a:prstGeom>
+          <a:noFill/>
+        </p:spPr>
+        <p:txBody>
+          <a:bodyPr wrap="square" rtlCol="0">
+            <a:spAutoFit/>
+          </a:bodyPr>
+          <a:lstStyle/>
+          <a:p>
+            <a:pPr algn="ctr"/>
+            <a:r>
+              <a:rPr lang="en-US" dirty="0"/>
+              <a:t>Static SABR model</a:t>
+            </a:r>
+          </a:p>
+        </p:txBody>
+      </p:sp>
+      <p:sp>
+        <p:nvSpPr>
+          <p:cNvPr id="7" name="CaixaDeTexto 6">
+            <a:extLst>
+              <a:ext uri="{FF2B5EF4-FFF2-40B4-BE49-F238E27FC236}">
+                <a16:creationId xmlns:a16="http://schemas.microsoft.com/office/drawing/2014/main" id="{0731DC9E-E8FC-4D99-9A41-326AE29FD948}"/>
+              </a:ext>
+            </a:extLst>
+          </p:cNvPr>
+          <p:cNvSpPr txBox="1"/>
+          <p:nvPr/>
+        </p:nvSpPr>
+        <p:spPr>
+          <a:xfrm>
+            <a:off x="6001543" y="5483052"/>
+            <a:ext cx="4683126" cy="369332"/>
+          </a:xfrm>
+          <a:prstGeom prst="rect">
+            <a:avLst/>
+          </a:prstGeom>
+          <a:noFill/>
+        </p:spPr>
+        <p:txBody>
+          <a:bodyPr wrap="square" rtlCol="0">
+            <a:spAutoFit/>
+          </a:bodyPr>
+          <a:lstStyle/>
+          <a:p>
+            <a:pPr algn="ctr"/>
+            <a:r>
+              <a:rPr lang="en-US" dirty="0"/>
+              <a:t>Dynamic SABR model</a:t>
+            </a:r>
+          </a:p>
+        </p:txBody>
+      </p:sp>
+      <p:pic>
+        <p:nvPicPr>
+          <p:cNvPr id="11" name="Marcador de Posição de Conteúdo 10">
+            <a:extLst>
+              <a:ext uri="{FF2B5EF4-FFF2-40B4-BE49-F238E27FC236}">
+                <a16:creationId xmlns:a16="http://schemas.microsoft.com/office/drawing/2014/main" id="{CC2269AA-5CAB-42D3-A014-FE80C50788DD}"/>
+              </a:ext>
+            </a:extLst>
+          </p:cNvPr>
+          <p:cNvPicPr>
+            <a:picLocks noGrp="1" noChangeAspect="1"/>
+          </p:cNvPicPr>
+          <p:nvPr>
+            <p:ph sz="half" idx="2"/>
+          </p:nvPr>
+        </p:nvPicPr>
+        <p:blipFill>
+          <a:blip r:embed="rId3"/>
+          <a:stretch>
+            <a:fillRect/>
+          </a:stretch>
+        </p:blipFill>
+        <p:spPr>
+          <a:xfrm>
+            <a:off x="6011863" y="2274477"/>
+            <a:ext cx="4662487" cy="3215508"/>
+          </a:xfrm>
+          <a:prstGeom prst="rect">
+            <a:avLst/>
+          </a:prstGeom>
+        </p:spPr>
+      </p:pic>
+    </p:spTree>
+    <p:extLst>
+      <p:ext uri="{BB962C8B-B14F-4D97-AF65-F5344CB8AC3E}">
+        <p14:creationId xmlns:p14="http://schemas.microsoft.com/office/powerpoint/2010/main" val="2395243189"/>
+      </p:ext>
+    </p:extLst>
+  </p:cSld>
+  <p:clrMapOvr>
+    <a:masterClrMapping/>
+  </p:clrMapOvr>
+</p:sld>
+</file>
+
 <file path=ppt/slides/slide2.xml><?xml version="1.0" encoding="utf-8"?>
 <p:sld xmlns:a="http://schemas.openxmlformats.org/drawingml/2006/main" xmlns:r="http://schemas.openxmlformats.org/officeDocument/2006/relationships" xmlns:p="http://schemas.openxmlformats.org/presentationml/2006/main">
   <p:cSld>
@@ -9906,7 +12467,7 @@
         <p:spPr/>
         <p:txBody>
           <a:bodyPr>
-            <a:normAutofit/>
+            <a:normAutofit lnSpcReduction="10000"/>
           </a:bodyPr>
           <a:lstStyle/>
           <a:p>
@@ -9936,7 +12497,15 @@
             </a:r>
             <a:r>
               <a:rPr lang="en-US" dirty="0"/>
-              <a:t> an asset, the </a:t>
+              <a:t> (</a:t>
+            </a:r>
+            <a:r>
+              <a:rPr lang="en-US" b="1" dirty="0"/>
+              <a:t>call/put</a:t>
+            </a:r>
+            <a:r>
+              <a:rPr lang="en-US" dirty="0"/>
+              <a:t>) an asset, the </a:t>
             </a:r>
             <a:r>
               <a:rPr lang="en-US" b="1" dirty="0"/>
@@ -9956,7 +12525,7 @@
             </a:r>
             <a:r>
               <a:rPr lang="en-US" b="1" dirty="0"/>
-              <a:t>maturity, T</a:t>
+              <a:t>maturity, T.</a:t>
             </a:r>
             <a:endParaRPr lang="en-US" dirty="0"/>
           </a:p>
@@ -10041,7 +12610,7 @@
         </p:blipFill>
         <p:spPr>
           <a:xfrm>
-            <a:off x="997528" y="3390734"/>
+            <a:off x="997527" y="3462573"/>
             <a:ext cx="4669626" cy="864397"/>
           </a:xfrm>
           <a:prstGeom prst="rect">
@@ -10128,6 +12697,42 @@
           </a:fontRef>
         </p:style>
       </p:cxnSp>
+      <p:sp>
+        <p:nvSpPr>
+          <p:cNvPr id="6" name="CaixaDeTexto 5">
+            <a:extLst>
+              <a:ext uri="{FF2B5EF4-FFF2-40B4-BE49-F238E27FC236}">
+                <a16:creationId xmlns:a16="http://schemas.microsoft.com/office/drawing/2014/main" id="{FCDD6CBD-C105-49E4-B754-79E315212A54}"/>
+              </a:ext>
+            </a:extLst>
+          </p:cNvPr>
+          <p:cNvSpPr txBox="1"/>
+          <p:nvPr/>
+        </p:nvSpPr>
+        <p:spPr>
+          <a:xfrm>
+            <a:off x="6764200" y="6019807"/>
+            <a:ext cx="4208600" cy="307777"/>
+          </a:xfrm>
+          <a:prstGeom prst="rect">
+            <a:avLst/>
+          </a:prstGeom>
+          <a:noFill/>
+        </p:spPr>
+        <p:txBody>
+          <a:bodyPr wrap="square" rtlCol="0">
+            <a:spAutoFit/>
+          </a:bodyPr>
+          <a:lstStyle/>
+          <a:p>
+            <a:pPr algn="ctr"/>
+            <a:r>
+              <a:rPr lang="en-US" sz="1400" dirty="0"/>
+              <a:t>Payoff function of call and put type options</a:t>
+            </a:r>
+          </a:p>
+        </p:txBody>
+      </p:sp>
     </p:spTree>
     <p:extLst>
       <p:ext uri="{BB962C8B-B14F-4D97-AF65-F5344CB8AC3E}">
@@ -10176,8 +12781,8 @@
         </p:nvSpPr>
         <p:spPr>
           <a:xfrm>
-            <a:off x="676656" y="2011679"/>
-            <a:ext cx="10517817" cy="4463549"/>
+            <a:off x="676656" y="2011680"/>
+            <a:ext cx="10517817" cy="4112674"/>
           </a:xfrm>
         </p:spPr>
         <p:txBody>
@@ -10467,7 +13072,7 @@
         </p:blipFill>
         <p:spPr>
           <a:xfrm>
-            <a:off x="7825408" y="5318333"/>
+            <a:off x="7844266" y="5019196"/>
             <a:ext cx="3122428" cy="266495"/>
           </a:xfrm>
           <a:prstGeom prst="rect">
@@ -10549,7 +13154,12 @@
             <p:ph idx="1"/>
           </p:nvPr>
         </p:nvSpPr>
-        <p:spPr/>
+        <p:spPr>
+          <a:xfrm>
+            <a:off x="657224" y="2526875"/>
+            <a:ext cx="5249192" cy="1804249"/>
+          </a:xfrm>
+        </p:spPr>
         <p:txBody>
           <a:bodyPr/>
           <a:lstStyle/>
@@ -10579,7 +13189,7 @@
             </a:r>
             <a:r>
               <a:rPr lang="en-US" b="1" dirty="0"/>
-              <a:t>We have to try to model it!</a:t>
+              <a:t>We have to model it!</a:t>
             </a:r>
           </a:p>
         </p:txBody>
@@ -10613,36 +13223,6 @@
           </a:p>
         </p:txBody>
       </p:sp>
-      <p:pic>
-        <p:nvPicPr>
-          <p:cNvPr id="5" name="Imagem 4">
-            <a:extLst>
-              <a:ext uri="{FF2B5EF4-FFF2-40B4-BE49-F238E27FC236}">
-                <a16:creationId xmlns:a16="http://schemas.microsoft.com/office/drawing/2014/main" id="{38256713-2613-48D8-B5CB-A757B99EAA0C}"/>
-              </a:ext>
-            </a:extLst>
-          </p:cNvPr>
-          <p:cNvPicPr>
-            <a:picLocks noChangeAspect="1"/>
-          </p:cNvPicPr>
-          <p:nvPr/>
-        </p:nvPicPr>
-        <p:blipFill>
-          <a:blip r:embed="rId2"/>
-          <a:stretch>
-            <a:fillRect/>
-          </a:stretch>
-        </p:blipFill>
-        <p:spPr>
-          <a:xfrm>
-            <a:off x="5925848" y="2157731"/>
-            <a:ext cx="4754611" cy="3363807"/>
-          </a:xfrm>
-          <a:prstGeom prst="rect">
-            <a:avLst/>
-          </a:prstGeom>
-        </p:spPr>
-      </p:pic>
       <p:cxnSp>
         <p:nvCxnSpPr>
           <p:cNvPr id="6" name="Conexão reta unidirecional 5">
@@ -10659,7 +13239,7 @@
         </p:nvCxnSpPr>
         <p:spPr>
           <a:xfrm>
-            <a:off x="850605" y="3526346"/>
+            <a:off x="850605" y="4036706"/>
             <a:ext cx="467833" cy="0"/>
           </a:xfrm>
           <a:prstGeom prst="straightConnector1">
@@ -10684,6 +13264,93 @@
           </a:fontRef>
         </p:style>
       </p:cxnSp>
+      <p:grpSp>
+        <p:nvGrpSpPr>
+          <p:cNvPr id="8" name="Agrupar 7">
+            <a:extLst>
+              <a:ext uri="{FF2B5EF4-FFF2-40B4-BE49-F238E27FC236}">
+                <a16:creationId xmlns:a16="http://schemas.microsoft.com/office/drawing/2014/main" id="{41595E39-DE97-4105-B765-E4ED2E41C96A}"/>
+              </a:ext>
+            </a:extLst>
+          </p:cNvPr>
+          <p:cNvGrpSpPr/>
+          <p:nvPr/>
+        </p:nvGrpSpPr>
+        <p:grpSpPr>
+          <a:xfrm>
+            <a:off x="5906416" y="2157731"/>
+            <a:ext cx="4774042" cy="3887027"/>
+            <a:chOff x="5906416" y="2157731"/>
+            <a:chExt cx="4774042" cy="3887027"/>
+          </a:xfrm>
+        </p:grpSpPr>
+        <p:pic>
+          <p:nvPicPr>
+            <p:cNvPr id="5" name="Imagem 4">
+              <a:extLst>
+                <a:ext uri="{FF2B5EF4-FFF2-40B4-BE49-F238E27FC236}">
+                  <a16:creationId xmlns:a16="http://schemas.microsoft.com/office/drawing/2014/main" id="{38256713-2613-48D8-B5CB-A757B99EAA0C}"/>
+                </a:ext>
+              </a:extLst>
+            </p:cNvPr>
+            <p:cNvPicPr>
+              <a:picLocks noChangeAspect="1"/>
+            </p:cNvPicPr>
+            <p:nvPr/>
+          </p:nvPicPr>
+          <p:blipFill>
+            <a:blip r:embed="rId2"/>
+            <a:stretch>
+              <a:fillRect/>
+            </a:stretch>
+          </p:blipFill>
+          <p:spPr>
+            <a:xfrm>
+              <a:off x="5906416" y="2157731"/>
+              <a:ext cx="4754611" cy="3363807"/>
+            </a:xfrm>
+            <a:prstGeom prst="rect">
+              <a:avLst/>
+            </a:prstGeom>
+          </p:spPr>
+        </p:pic>
+        <p:sp>
+          <p:nvSpPr>
+            <p:cNvPr id="7" name="CaixaDeTexto 6">
+              <a:extLst>
+                <a:ext uri="{FF2B5EF4-FFF2-40B4-BE49-F238E27FC236}">
+                  <a16:creationId xmlns:a16="http://schemas.microsoft.com/office/drawing/2014/main" id="{249A61A4-B0D7-44E1-98DA-CA65F147C4D1}"/>
+                </a:ext>
+              </a:extLst>
+            </p:cNvPr>
+            <p:cNvSpPr txBox="1"/>
+            <p:nvPr/>
+          </p:nvSpPr>
+          <p:spPr>
+            <a:xfrm>
+              <a:off x="5925848" y="5521538"/>
+              <a:ext cx="4754610" cy="523220"/>
+            </a:xfrm>
+            <a:prstGeom prst="rect">
+              <a:avLst/>
+            </a:prstGeom>
+            <a:noFill/>
+          </p:spPr>
+          <p:txBody>
+            <a:bodyPr wrap="square" rtlCol="0">
+              <a:spAutoFit/>
+            </a:bodyPr>
+            <a:lstStyle/>
+            <a:p>
+              <a:pPr algn="ctr"/>
+              <a:r>
+                <a:rPr lang="en-US" sz="1400" dirty="0"/>
+                <a:t>Example of three Geometric Brownian Motion processes with different volatilities</a:t>
+              </a:r>
+            </a:p>
+          </p:txBody>
+        </p:sp>
+      </p:grpSp>
     </p:spTree>
     <p:extLst>
       <p:ext uri="{BB962C8B-B14F-4D97-AF65-F5344CB8AC3E}">
@@ -10805,6 +13472,515 @@
     <p:extLst>
       <p:ext uri="{BB962C8B-B14F-4D97-AF65-F5344CB8AC3E}">
         <p14:creationId xmlns:p14="http://schemas.microsoft.com/office/powerpoint/2010/main" val="1034703034"/>
+      </p:ext>
+    </p:extLst>
+  </p:cSld>
+  <p:clrMapOvr>
+    <a:masterClrMapping/>
+  </p:clrMapOvr>
+</p:sld>
+</file>
+
+<file path=ppt/slides/slide7.xml><?xml version="1.0" encoding="utf-8"?>
+<p:sld xmlns:a="http://schemas.openxmlformats.org/drawingml/2006/main" xmlns:r="http://schemas.openxmlformats.org/officeDocument/2006/relationships" xmlns:p="http://schemas.openxmlformats.org/presentationml/2006/main">
+  <p:cSld>
+    <p:spTree>
+      <p:nvGrpSpPr>
+        <p:cNvPr id="1" name=""/>
+        <p:cNvGrpSpPr/>
+        <p:nvPr/>
+      </p:nvGrpSpPr>
+      <p:grpSpPr>
+        <a:xfrm>
+          <a:off x="0" y="0"/>
+          <a:ext cx="0" cy="0"/>
+          <a:chOff x="0" y="0"/>
+          <a:chExt cx="0" cy="0"/>
+        </a:xfrm>
+      </p:grpSpPr>
+      <p:sp>
+        <p:nvSpPr>
+          <p:cNvPr id="4" name="Título 3">
+            <a:extLst>
+              <a:ext uri="{FF2B5EF4-FFF2-40B4-BE49-F238E27FC236}">
+                <a16:creationId xmlns:a16="http://schemas.microsoft.com/office/drawing/2014/main" id="{E2C05C6A-4AB1-48A4-BF27-8EED732FC1CE}"/>
+              </a:ext>
+            </a:extLst>
+          </p:cNvPr>
+          <p:cNvSpPr>
+            <a:spLocks noGrp="1"/>
+          </p:cNvSpPr>
+          <p:nvPr>
+            <p:ph type="title"/>
+          </p:nvPr>
+        </p:nvSpPr>
+        <p:spPr/>
+        <p:txBody>
+          <a:bodyPr/>
+          <a:lstStyle/>
+          <a:p>
+            <a:r>
+              <a:rPr lang="en-US" dirty="0"/>
+              <a:t>Objectives</a:t>
+            </a:r>
+          </a:p>
+        </p:txBody>
+      </p:sp>
+      <p:sp>
+        <p:nvSpPr>
+          <p:cNvPr id="5" name="Marcador de Posição de Conteúdo 4">
+            <a:extLst>
+              <a:ext uri="{FF2B5EF4-FFF2-40B4-BE49-F238E27FC236}">
+                <a16:creationId xmlns:a16="http://schemas.microsoft.com/office/drawing/2014/main" id="{DCF57E86-AA5D-4098-8C15-00D79129BFCE}"/>
+              </a:ext>
+            </a:extLst>
+          </p:cNvPr>
+          <p:cNvSpPr>
+            <a:spLocks noGrp="1"/>
+          </p:cNvSpPr>
+          <p:nvPr>
+            <p:ph idx="1"/>
+          </p:nvPr>
+        </p:nvSpPr>
+        <p:spPr>
+          <a:xfrm>
+            <a:off x="676656" y="2011680"/>
+            <a:ext cx="10517817" cy="3766185"/>
+          </a:xfrm>
+        </p:spPr>
+        <p:txBody>
+          <a:bodyPr>
+            <a:normAutofit/>
+          </a:bodyPr>
+          <a:lstStyle/>
+          <a:p>
+            <a:pPr marL="457200" indent="-457200">
+              <a:buClr>
+                <a:srgbClr val="009DE0"/>
+              </a:buClr>
+              <a:buFont typeface="+mj-lt"/>
+              <a:buAutoNum type="arabicPeriod"/>
+            </a:pPr>
+            <a:r>
+              <a:rPr lang="en-US" sz="2800" dirty="0"/>
+              <a:t>Choose some of the most used volatility models</a:t>
+            </a:r>
+          </a:p>
+          <a:p>
+            <a:pPr marL="457200" indent="-457200">
+              <a:buClr>
+                <a:srgbClr val="009DE0"/>
+              </a:buClr>
+              <a:buFont typeface="+mj-lt"/>
+              <a:buAutoNum type="arabicPeriod"/>
+            </a:pPr>
+            <a:r>
+              <a:rPr lang="en-US" sz="2800" dirty="0"/>
+              <a:t>Study and use them to price real options</a:t>
+            </a:r>
+          </a:p>
+          <a:p>
+            <a:pPr marL="457200" indent="-457200">
+              <a:buClr>
+                <a:srgbClr val="009DE0"/>
+              </a:buClr>
+              <a:buFont typeface="+mj-lt"/>
+              <a:buAutoNum type="arabicPeriod"/>
+            </a:pPr>
+            <a:r>
+              <a:rPr lang="en-US" sz="2800" dirty="0"/>
+              <a:t>Compare them and find which performs best</a:t>
+            </a:r>
+          </a:p>
+          <a:p>
+            <a:pPr marL="457200" indent="-457200">
+              <a:buClr>
+                <a:srgbClr val="009DE0"/>
+              </a:buClr>
+              <a:buFont typeface="+mj-lt"/>
+              <a:buAutoNum type="arabicPeriod"/>
+            </a:pPr>
+            <a:r>
+              <a:rPr lang="en-US" sz="2800" dirty="0"/>
+              <a:t>Use the results to price more complex options</a:t>
+            </a:r>
+          </a:p>
+        </p:txBody>
+      </p:sp>
+    </p:spTree>
+    <p:extLst>
+      <p:ext uri="{BB962C8B-B14F-4D97-AF65-F5344CB8AC3E}">
+        <p14:creationId xmlns:p14="http://schemas.microsoft.com/office/powerpoint/2010/main" val="2398464224"/>
+      </p:ext>
+    </p:extLst>
+  </p:cSld>
+  <p:clrMapOvr>
+    <a:masterClrMapping/>
+  </p:clrMapOvr>
+</p:sld>
+</file>
+
+<file path=ppt/slides/slide8.xml><?xml version="1.0" encoding="utf-8"?>
+<p:sld xmlns:a="http://schemas.openxmlformats.org/drawingml/2006/main" xmlns:r="http://schemas.openxmlformats.org/officeDocument/2006/relationships" xmlns:p="http://schemas.openxmlformats.org/presentationml/2006/main">
+  <p:cSld>
+    <p:spTree>
+      <p:nvGrpSpPr>
+        <p:cNvPr id="1" name=""/>
+        <p:cNvGrpSpPr/>
+        <p:nvPr/>
+      </p:nvGrpSpPr>
+      <p:grpSpPr>
+        <a:xfrm>
+          <a:off x="0" y="0"/>
+          <a:ext cx="0" cy="0"/>
+          <a:chOff x="0" y="0"/>
+          <a:chExt cx="0" cy="0"/>
+        </a:xfrm>
+      </p:grpSpPr>
+      <p:sp>
+        <p:nvSpPr>
+          <p:cNvPr id="5" name="Título 4">
+            <a:extLst>
+              <a:ext uri="{FF2B5EF4-FFF2-40B4-BE49-F238E27FC236}">
+                <a16:creationId xmlns:a16="http://schemas.microsoft.com/office/drawing/2014/main" id="{5775240B-2F95-4274-BF14-9F4508E5F848}"/>
+              </a:ext>
+            </a:extLst>
+          </p:cNvPr>
+          <p:cNvSpPr>
+            <a:spLocks noGrp="1"/>
+          </p:cNvSpPr>
+          <p:nvPr>
+            <p:ph type="title"/>
+          </p:nvPr>
+        </p:nvSpPr>
+        <p:spPr/>
+        <p:txBody>
+          <a:bodyPr/>
+          <a:lstStyle/>
+          <a:p>
+            <a:r>
+              <a:rPr lang="en-US" dirty="0"/>
+              <a:t>Models</a:t>
+            </a:r>
+          </a:p>
+        </p:txBody>
+      </p:sp>
+      <p:sp>
+        <p:nvSpPr>
+          <p:cNvPr id="6" name="Marcador de Posição do Texto 5">
+            <a:extLst>
+              <a:ext uri="{FF2B5EF4-FFF2-40B4-BE49-F238E27FC236}">
+                <a16:creationId xmlns:a16="http://schemas.microsoft.com/office/drawing/2014/main" id="{E4C47EF4-74C0-4714-BBB2-CE5655999AC1}"/>
+              </a:ext>
+            </a:extLst>
+          </p:cNvPr>
+          <p:cNvSpPr>
+            <a:spLocks noGrp="1"/>
+          </p:cNvSpPr>
+          <p:nvPr>
+            <p:ph type="body" idx="1"/>
+          </p:nvPr>
+        </p:nvSpPr>
+        <p:spPr/>
+        <p:txBody>
+          <a:bodyPr/>
+          <a:lstStyle/>
+          <a:p>
+            <a:r>
+              <a:rPr lang="en-US" dirty="0"/>
+              <a:t>Dupire’s local volatility</a:t>
+            </a:r>
+          </a:p>
+          <a:p>
+            <a:r>
+              <a:rPr lang="en-US" dirty="0"/>
+              <a:t>Heston and Static/Dynamic SABR stochastic volatility</a:t>
+            </a:r>
+          </a:p>
+        </p:txBody>
+      </p:sp>
+      <p:sp>
+        <p:nvSpPr>
+          <p:cNvPr id="4" name="Marcador de Posição do Número do Diapositivo 3">
+            <a:extLst>
+              <a:ext uri="{FF2B5EF4-FFF2-40B4-BE49-F238E27FC236}">
+                <a16:creationId xmlns:a16="http://schemas.microsoft.com/office/drawing/2014/main" id="{2BD803BA-87B0-4867-8C03-0C6BD75BD7A6}"/>
+              </a:ext>
+            </a:extLst>
+          </p:cNvPr>
+          <p:cNvSpPr>
+            <a:spLocks noGrp="1"/>
+          </p:cNvSpPr>
+          <p:nvPr>
+            <p:ph type="sldNum" sz="quarter" idx="4294967295"/>
+          </p:nvPr>
+        </p:nvSpPr>
+        <p:spPr>
+          <a:xfrm>
+            <a:off x="9740900" y="5959475"/>
+            <a:ext cx="2451100" cy="906463"/>
+          </a:xfrm>
+        </p:spPr>
+        <p:txBody>
+          <a:bodyPr/>
+          <a:lstStyle/>
+          <a:p>
+            <a:fld id="{E6C1293F-E0FB-479A-BC72-60F8B8633E59}" type="slidenum">
+              <a:rPr lang="en-US" smtClean="0"/>
+              <a:t>7</a:t>
+            </a:fld>
+            <a:endParaRPr lang="en-US" dirty="0"/>
+          </a:p>
+        </p:txBody>
+      </p:sp>
+    </p:spTree>
+    <p:extLst>
+      <p:ext uri="{BB962C8B-B14F-4D97-AF65-F5344CB8AC3E}">
+        <p14:creationId xmlns:p14="http://schemas.microsoft.com/office/powerpoint/2010/main" val="2799582973"/>
+      </p:ext>
+    </p:extLst>
+  </p:cSld>
+  <p:clrMapOvr>
+    <a:masterClrMapping/>
+  </p:clrMapOvr>
+</p:sld>
+</file>
+
+<file path=ppt/slides/slide9.xml><?xml version="1.0" encoding="utf-8"?>
+<p:sld xmlns:a="http://schemas.openxmlformats.org/drawingml/2006/main" xmlns:r="http://schemas.openxmlformats.org/officeDocument/2006/relationships" xmlns:p="http://schemas.openxmlformats.org/presentationml/2006/main">
+  <p:cSld>
+    <p:spTree>
+      <p:nvGrpSpPr>
+        <p:cNvPr id="1" name=""/>
+        <p:cNvGrpSpPr/>
+        <p:nvPr/>
+      </p:nvGrpSpPr>
+      <p:grpSpPr>
+        <a:xfrm>
+          <a:off x="0" y="0"/>
+          <a:ext cx="0" cy="0"/>
+          <a:chOff x="0" y="0"/>
+          <a:chExt cx="0" cy="0"/>
+        </a:xfrm>
+      </p:grpSpPr>
+      <p:sp>
+        <p:nvSpPr>
+          <p:cNvPr id="4" name="Título 3">
+            <a:extLst>
+              <a:ext uri="{FF2B5EF4-FFF2-40B4-BE49-F238E27FC236}">
+                <a16:creationId xmlns:a16="http://schemas.microsoft.com/office/drawing/2014/main" id="{057F075F-53E4-47B7-A0D0-61CD102677FE}"/>
+              </a:ext>
+            </a:extLst>
+          </p:cNvPr>
+          <p:cNvSpPr>
+            <a:spLocks noGrp="1"/>
+          </p:cNvSpPr>
+          <p:nvPr>
+            <p:ph type="title"/>
+          </p:nvPr>
+        </p:nvSpPr>
+        <p:spPr/>
+        <p:txBody>
+          <a:bodyPr/>
+          <a:lstStyle/>
+          <a:p>
+            <a:r>
+              <a:rPr lang="en-US" dirty="0"/>
+              <a:t>Models – Dupire’s Local Volatility</a:t>
+            </a:r>
+          </a:p>
+        </p:txBody>
+      </p:sp>
+      <p:sp>
+        <p:nvSpPr>
+          <p:cNvPr id="5" name="Marcador de Posição de Conteúdo 4">
+            <a:extLst>
+              <a:ext uri="{FF2B5EF4-FFF2-40B4-BE49-F238E27FC236}">
+                <a16:creationId xmlns:a16="http://schemas.microsoft.com/office/drawing/2014/main" id="{99079F5E-B6EE-4AAF-A0C6-90B4F2C6F701}"/>
+              </a:ext>
+            </a:extLst>
+          </p:cNvPr>
+          <p:cNvSpPr>
+            <a:spLocks noGrp="1"/>
+          </p:cNvSpPr>
+          <p:nvPr>
+            <p:ph idx="1"/>
+          </p:nvPr>
+        </p:nvSpPr>
+        <p:spPr/>
+        <p:txBody>
+          <a:bodyPr/>
+          <a:lstStyle/>
+          <a:p>
+            <a:r>
+              <a:rPr lang="en-US" dirty="0"/>
+              <a:t>In Dupire’s model, we assume that volatility is a </a:t>
+            </a:r>
+            <a:r>
+              <a:rPr lang="en-US" b="1" dirty="0"/>
+              <a:t>known function </a:t>
+            </a:r>
+            <a:r>
+              <a:rPr lang="en-US" dirty="0"/>
+              <a:t>of time and the stock price.</a:t>
+            </a:r>
+          </a:p>
+          <a:p>
+            <a:r>
+              <a:rPr lang="en-US" dirty="0"/>
+              <a:t>The stock price diffusion process becomes</a:t>
+            </a:r>
+            <a:br>
+              <a:rPr lang="en-US" dirty="0"/>
+            </a:br>
+            <a:br>
+              <a:rPr lang="en-US" dirty="0"/>
+            </a:br>
+            <a:endParaRPr lang="en-US" dirty="0"/>
+          </a:p>
+          <a:p>
+            <a:r>
+              <a:rPr lang="en-US" dirty="0"/>
+              <a:t>with 	                given by</a:t>
+            </a:r>
+          </a:p>
+        </p:txBody>
+      </p:sp>
+      <p:pic>
+        <p:nvPicPr>
+          <p:cNvPr id="6" name="Imagem 5">
+            <a:extLst>
+              <a:ext uri="{FF2B5EF4-FFF2-40B4-BE49-F238E27FC236}">
+                <a16:creationId xmlns:a16="http://schemas.microsoft.com/office/drawing/2014/main" id="{50DEC07B-08B7-4485-9AF2-C7281A851994}"/>
+              </a:ext>
+            </a:extLst>
+          </p:cNvPr>
+          <p:cNvPicPr>
+            <a:picLocks noChangeAspect="1"/>
+          </p:cNvPicPr>
+          <p:nvPr/>
+        </p:nvPicPr>
+        <p:blipFill>
+          <a:blip r:embed="rId2"/>
+          <a:stretch>
+            <a:fillRect/>
+          </a:stretch>
+        </p:blipFill>
+        <p:spPr>
+          <a:xfrm>
+            <a:off x="997527" y="3336462"/>
+            <a:ext cx="4837730" cy="395287"/>
+          </a:xfrm>
+          <a:prstGeom prst="rect">
+            <a:avLst/>
+          </a:prstGeom>
+        </p:spPr>
+      </p:pic>
+      <p:pic>
+        <p:nvPicPr>
+          <p:cNvPr id="7" name="Imagem 6">
+            <a:extLst>
+              <a:ext uri="{FF2B5EF4-FFF2-40B4-BE49-F238E27FC236}">
+                <a16:creationId xmlns:a16="http://schemas.microsoft.com/office/drawing/2014/main" id="{FF76D2D2-6B6D-44BE-B383-58AF803DFBD6}"/>
+              </a:ext>
+            </a:extLst>
+          </p:cNvPr>
+          <p:cNvPicPr>
+            <a:picLocks noChangeAspect="1"/>
+          </p:cNvPicPr>
+          <p:nvPr/>
+        </p:nvPicPr>
+        <p:blipFill>
+          <a:blip r:embed="rId3"/>
+          <a:stretch>
+            <a:fillRect/>
+          </a:stretch>
+        </p:blipFill>
+        <p:spPr>
+          <a:xfrm>
+            <a:off x="997526" y="4431512"/>
+            <a:ext cx="9044711" cy="1486557"/>
+          </a:xfrm>
+          <a:prstGeom prst="rect">
+            <a:avLst/>
+          </a:prstGeom>
+        </p:spPr>
+      </p:pic>
+      <p:pic>
+        <p:nvPicPr>
+          <p:cNvPr id="8" name="Imagem 7">
+            <a:extLst>
+              <a:ext uri="{FF2B5EF4-FFF2-40B4-BE49-F238E27FC236}">
+                <a16:creationId xmlns:a16="http://schemas.microsoft.com/office/drawing/2014/main" id="{6665B0AD-9F9F-481F-9F5A-715F7951FA0D}"/>
+              </a:ext>
+            </a:extLst>
+          </p:cNvPr>
+          <p:cNvPicPr>
+            <a:picLocks noChangeAspect="1"/>
+          </p:cNvPicPr>
+          <p:nvPr/>
+        </p:nvPicPr>
+        <p:blipFill>
+          <a:blip r:embed="rId4"/>
+          <a:stretch>
+            <a:fillRect/>
+          </a:stretch>
+        </p:blipFill>
+        <p:spPr>
+          <a:xfrm>
+            <a:off x="7039428" y="6055697"/>
+            <a:ext cx="3002809" cy="582408"/>
+          </a:xfrm>
+          <a:prstGeom prst="rect">
+            <a:avLst/>
+          </a:prstGeom>
+        </p:spPr>
+      </p:pic>
+      <p:pic>
+        <p:nvPicPr>
+          <p:cNvPr id="9" name="Imagem 8">
+            <a:extLst>
+              <a:ext uri="{FF2B5EF4-FFF2-40B4-BE49-F238E27FC236}">
+                <a16:creationId xmlns:a16="http://schemas.microsoft.com/office/drawing/2014/main" id="{3609035A-BC84-4828-AF0C-CEA1F2B4967E}"/>
+              </a:ext>
+            </a:extLst>
+          </p:cNvPr>
+          <p:cNvPicPr>
+            <a:picLocks noChangeAspect="1"/>
+          </p:cNvPicPr>
+          <p:nvPr/>
+        </p:nvPicPr>
+        <p:blipFill>
+          <a:blip r:embed="rId5">
+            <a:clrChange>
+              <a:clrFrom>
+                <a:srgbClr val="FFFFFF"/>
+              </a:clrFrom>
+              <a:clrTo>
+                <a:srgbClr val="FFFFFF">
+                  <a:alpha val="0"/>
+                </a:srgbClr>
+              </a:clrTo>
+            </a:clrChange>
+          </a:blip>
+          <a:stretch>
+            <a:fillRect/>
+          </a:stretch>
+        </p:blipFill>
+        <p:spPr>
+          <a:xfrm>
+            <a:off x="1491729" y="3923560"/>
+            <a:ext cx="1146063" cy="323388"/>
+          </a:xfrm>
+          <a:prstGeom prst="rect">
+            <a:avLst/>
+          </a:prstGeom>
+        </p:spPr>
+      </p:pic>
+    </p:spTree>
+    <p:extLst>
+      <p:ext uri="{BB962C8B-B14F-4D97-AF65-F5344CB8AC3E}">
+        <p14:creationId xmlns:p14="http://schemas.microsoft.com/office/powerpoint/2010/main" val="3765536445"/>
       </p:ext>
     </p:extLst>
   </p:cSld>
